--- a/Presentation1.pptx
+++ b/Presentation1.pptx
@@ -2,18 +2,18 @@
 <file path=ppt/presentation.xml><?xml version="1.0" encoding="utf-8"?>
 <p:presentation xmlns:a="http://schemas.openxmlformats.org/drawingml/2006/main" xmlns:r="http://schemas.openxmlformats.org/officeDocument/2006/relationships" xmlns:p="http://schemas.openxmlformats.org/presentationml/2006/main" saveSubsetFonts="1">
   <p:sldMasterIdLst>
-    <p:sldMasterId id="2147483648" r:id="rId1"/>
+    <p:sldMasterId id="2147483696" r:id="rId1"/>
   </p:sldMasterIdLst>
   <p:sldIdLst>
     <p:sldId id="256" r:id="rId2"/>
   </p:sldIdLst>
-  <p:sldSz cx="12192000" cy="6858000"/>
+  <p:sldSz cx="16217900" cy="12192000"/>
   <p:notesSz cx="6858000" cy="9144000"/>
   <p:defaultTextStyle>
     <a:defPPr>
       <a:defRPr lang="en-US"/>
     </a:defPPr>
-    <a:lvl1pPr marL="0" algn="l" defTabSz="914400" rtl="0" eaLnBrk="1" latinLnBrk="0" hangingPunct="1">
+    <a:lvl1pPr marL="0" algn="l" defTabSz="457200" rtl="0" eaLnBrk="1" latinLnBrk="0" hangingPunct="1">
       <a:defRPr sz="1800" kern="1200">
         <a:solidFill>
           <a:schemeClr val="tx1"/>
@@ -23,7 +23,7 @@
         <a:cs typeface="+mn-cs"/>
       </a:defRPr>
     </a:lvl1pPr>
-    <a:lvl2pPr marL="457200" algn="l" defTabSz="914400" rtl="0" eaLnBrk="1" latinLnBrk="0" hangingPunct="1">
+    <a:lvl2pPr marL="457200" algn="l" defTabSz="457200" rtl="0" eaLnBrk="1" latinLnBrk="0" hangingPunct="1">
       <a:defRPr sz="1800" kern="1200">
         <a:solidFill>
           <a:schemeClr val="tx1"/>
@@ -33,7 +33,7 @@
         <a:cs typeface="+mn-cs"/>
       </a:defRPr>
     </a:lvl2pPr>
-    <a:lvl3pPr marL="914400" algn="l" defTabSz="914400" rtl="0" eaLnBrk="1" latinLnBrk="0" hangingPunct="1">
+    <a:lvl3pPr marL="914400" algn="l" defTabSz="457200" rtl="0" eaLnBrk="1" latinLnBrk="0" hangingPunct="1">
       <a:defRPr sz="1800" kern="1200">
         <a:solidFill>
           <a:schemeClr val="tx1"/>
@@ -43,7 +43,7 @@
         <a:cs typeface="+mn-cs"/>
       </a:defRPr>
     </a:lvl3pPr>
-    <a:lvl4pPr marL="1371600" algn="l" defTabSz="914400" rtl="0" eaLnBrk="1" latinLnBrk="0" hangingPunct="1">
+    <a:lvl4pPr marL="1371600" algn="l" defTabSz="457200" rtl="0" eaLnBrk="1" latinLnBrk="0" hangingPunct="1">
       <a:defRPr sz="1800" kern="1200">
         <a:solidFill>
           <a:schemeClr val="tx1"/>
@@ -53,7 +53,7 @@
         <a:cs typeface="+mn-cs"/>
       </a:defRPr>
     </a:lvl4pPr>
-    <a:lvl5pPr marL="1828800" algn="l" defTabSz="914400" rtl="0" eaLnBrk="1" latinLnBrk="0" hangingPunct="1">
+    <a:lvl5pPr marL="1828800" algn="l" defTabSz="457200" rtl="0" eaLnBrk="1" latinLnBrk="0" hangingPunct="1">
       <a:defRPr sz="1800" kern="1200">
         <a:solidFill>
           <a:schemeClr val="tx1"/>
@@ -63,7 +63,7 @@
         <a:cs typeface="+mn-cs"/>
       </a:defRPr>
     </a:lvl5pPr>
-    <a:lvl6pPr marL="2286000" algn="l" defTabSz="914400" rtl="0" eaLnBrk="1" latinLnBrk="0" hangingPunct="1">
+    <a:lvl6pPr marL="2286000" algn="l" defTabSz="457200" rtl="0" eaLnBrk="1" latinLnBrk="0" hangingPunct="1">
       <a:defRPr sz="1800" kern="1200">
         <a:solidFill>
           <a:schemeClr val="tx1"/>
@@ -73,7 +73,7 @@
         <a:cs typeface="+mn-cs"/>
       </a:defRPr>
     </a:lvl6pPr>
-    <a:lvl7pPr marL="2743200" algn="l" defTabSz="914400" rtl="0" eaLnBrk="1" latinLnBrk="0" hangingPunct="1">
+    <a:lvl7pPr marL="2743200" algn="l" defTabSz="457200" rtl="0" eaLnBrk="1" latinLnBrk="0" hangingPunct="1">
       <a:defRPr sz="1800" kern="1200">
         <a:solidFill>
           <a:schemeClr val="tx1"/>
@@ -83,7 +83,7 @@
         <a:cs typeface="+mn-cs"/>
       </a:defRPr>
     </a:lvl7pPr>
-    <a:lvl8pPr marL="3200400" algn="l" defTabSz="914400" rtl="0" eaLnBrk="1" latinLnBrk="0" hangingPunct="1">
+    <a:lvl8pPr marL="3200400" algn="l" defTabSz="457200" rtl="0" eaLnBrk="1" latinLnBrk="0" hangingPunct="1">
       <a:defRPr sz="1800" kern="1200">
         <a:solidFill>
           <a:schemeClr val="tx1"/>
@@ -93,7 +93,7 @@
         <a:cs typeface="+mn-cs"/>
       </a:defRPr>
     </a:lvl8pPr>
-    <a:lvl9pPr marL="3657600" algn="l" defTabSz="914400" rtl="0" eaLnBrk="1" latinLnBrk="0" hangingPunct="1">
+    <a:lvl9pPr marL="3657600" algn="l" defTabSz="457200" rtl="0" eaLnBrk="1" latinLnBrk="0" hangingPunct="1">
       <a:defRPr sz="1800" kern="1200">
         <a:solidFill>
           <a:schemeClr val="tx1"/>
@@ -104,6 +104,11 @@
       </a:defRPr>
     </a:lvl9pPr>
   </p:defaultTextStyle>
+  <p:extLst>
+    <p:ext uri="{EFAFB233-063F-42B5-8137-9DF3F51BA10A}">
+      <p15:sldGuideLst xmlns:p15="http://schemas.microsoft.com/office/powerpoint/2012/main"/>
+    </p:ext>
+  </p:extLst>
 </p:presentation>
 </file>
 
@@ -126,13 +131,7 @@
       </p:grpSpPr>
       <p:sp>
         <p:nvSpPr>
-          <p:cNvPr id="2" name="Title 1">
-            <a:extLst>
-              <a:ext uri="{FF2B5EF4-FFF2-40B4-BE49-F238E27FC236}">
-                <a16:creationId xmlns:a16="http://schemas.microsoft.com/office/drawing/2014/main" id="{B0233DC4-D1BD-4911-96EB-CBA930B02155}"/>
-              </a:ext>
-            </a:extLst>
-          </p:cNvPr>
+          <p:cNvPr id="2" name="Title 1"/>
           <p:cNvSpPr>
             <a:spLocks noGrp="1"/>
           </p:cNvSpPr>
@@ -142,15 +141,15 @@
         </p:nvSpPr>
         <p:spPr>
           <a:xfrm>
-            <a:off x="1524000" y="1122363"/>
-            <a:ext cx="9144000" cy="2387600"/>
+            <a:off x="1216343" y="1995312"/>
+            <a:ext cx="13785215" cy="4244622"/>
           </a:xfrm>
         </p:spPr>
         <p:txBody>
           <a:bodyPr anchor="b"/>
           <a:lstStyle>
             <a:lvl1pPr algn="ctr">
-              <a:defRPr sz="6000"/>
+              <a:defRPr sz="10642"/>
             </a:lvl1pPr>
           </a:lstStyle>
           <a:p>
@@ -158,18 +157,13 @@
               <a:rPr lang="en-US"/>
               <a:t>Click to edit Master title style</a:t>
             </a:r>
-          </a:p>
-        </p:txBody>
-      </p:sp>
-      <p:sp>
-        <p:nvSpPr>
-          <p:cNvPr id="3" name="Subtitle 2">
-            <a:extLst>
-              <a:ext uri="{FF2B5EF4-FFF2-40B4-BE49-F238E27FC236}">
-                <a16:creationId xmlns:a16="http://schemas.microsoft.com/office/drawing/2014/main" id="{B6F0A5FD-856D-44E6-B3B6-DADBA13901B1}"/>
-              </a:ext>
-            </a:extLst>
-          </p:cNvPr>
+            <a:endParaRPr lang="en-US" dirty="0"/>
+          </a:p>
+        </p:txBody>
+      </p:sp>
+      <p:sp>
+        <p:nvSpPr>
+          <p:cNvPr id="3" name="Subtitle 2"/>
           <p:cNvSpPr>
             <a:spLocks noGrp="1"/>
           </p:cNvSpPr>
@@ -179,8 +173,8 @@
         </p:nvSpPr>
         <p:spPr>
           <a:xfrm>
-            <a:off x="1524000" y="3602038"/>
-            <a:ext cx="9144000" cy="1655762"/>
+            <a:off x="2027238" y="6403623"/>
+            <a:ext cx="12163425" cy="2943577"/>
           </a:xfrm>
         </p:spPr>
         <p:txBody>
@@ -188,39 +182,39 @@
           <a:lstStyle>
             <a:lvl1pPr marL="0" indent="0" algn="ctr">
               <a:buNone/>
-              <a:defRPr sz="2400"/>
+              <a:defRPr sz="4257"/>
             </a:lvl1pPr>
-            <a:lvl2pPr marL="457200" indent="0" algn="ctr">
-              <a:buNone/>
-              <a:defRPr sz="2000"/>
+            <a:lvl2pPr marL="810890" indent="0" algn="ctr">
+              <a:buNone/>
+              <a:defRPr sz="3547"/>
             </a:lvl2pPr>
-            <a:lvl3pPr marL="914400" indent="0" algn="ctr">
-              <a:buNone/>
-              <a:defRPr sz="1800"/>
+            <a:lvl3pPr marL="1621780" indent="0" algn="ctr">
+              <a:buNone/>
+              <a:defRPr sz="3192"/>
             </a:lvl3pPr>
-            <a:lvl4pPr marL="1371600" indent="0" algn="ctr">
-              <a:buNone/>
-              <a:defRPr sz="1600"/>
+            <a:lvl4pPr marL="2432670" indent="0" algn="ctr">
+              <a:buNone/>
+              <a:defRPr sz="2838"/>
             </a:lvl4pPr>
-            <a:lvl5pPr marL="1828800" indent="0" algn="ctr">
-              <a:buNone/>
-              <a:defRPr sz="1600"/>
+            <a:lvl5pPr marL="3243560" indent="0" algn="ctr">
+              <a:buNone/>
+              <a:defRPr sz="2838"/>
             </a:lvl5pPr>
-            <a:lvl6pPr marL="2286000" indent="0" algn="ctr">
-              <a:buNone/>
-              <a:defRPr sz="1600"/>
+            <a:lvl6pPr marL="4054450" indent="0" algn="ctr">
+              <a:buNone/>
+              <a:defRPr sz="2838"/>
             </a:lvl6pPr>
-            <a:lvl7pPr marL="2743200" indent="0" algn="ctr">
-              <a:buNone/>
-              <a:defRPr sz="1600"/>
+            <a:lvl7pPr marL="4865340" indent="0" algn="ctr">
+              <a:buNone/>
+              <a:defRPr sz="2838"/>
             </a:lvl7pPr>
-            <a:lvl8pPr marL="3200400" indent="0" algn="ctr">
-              <a:buNone/>
-              <a:defRPr sz="1600"/>
+            <a:lvl8pPr marL="5676229" indent="0" algn="ctr">
+              <a:buNone/>
+              <a:defRPr sz="2838"/>
             </a:lvl8pPr>
-            <a:lvl9pPr marL="3657600" indent="0" algn="ctr">
-              <a:buNone/>
-              <a:defRPr sz="1600"/>
+            <a:lvl9pPr marL="6487119" indent="0" algn="ctr">
+              <a:buNone/>
+              <a:defRPr sz="2838"/>
             </a:lvl9pPr>
           </a:lstStyle>
           <a:p>
@@ -228,18 +222,13 @@
               <a:rPr lang="en-US"/>
               <a:t>Click to edit Master subtitle style</a:t>
             </a:r>
-          </a:p>
-        </p:txBody>
-      </p:sp>
-      <p:sp>
-        <p:nvSpPr>
-          <p:cNvPr id="4" name="Date Placeholder 3">
-            <a:extLst>
-              <a:ext uri="{FF2B5EF4-FFF2-40B4-BE49-F238E27FC236}">
-                <a16:creationId xmlns:a16="http://schemas.microsoft.com/office/drawing/2014/main" id="{CE0BCD67-3E9E-43AB-86DC-A33B69C54548}"/>
-              </a:ext>
-            </a:extLst>
-          </p:cNvPr>
+            <a:endParaRPr lang="en-US" dirty="0"/>
+          </a:p>
+        </p:txBody>
+      </p:sp>
+      <p:sp>
+        <p:nvSpPr>
+          <p:cNvPr id="4" name="Date Placeholder 3"/>
           <p:cNvSpPr>
             <a:spLocks noGrp="1"/>
           </p:cNvSpPr>
@@ -254,7 +243,7 @@
           <a:p>
             <a:fld id="{310F73C8-F67B-4066-B26E-0A45A1504F83}" type="datetimeFigureOut">
               <a:rPr lang="en-US" smtClean="0"/>
-              <a:t>11/2/2021</a:t>
+              <a:t>3/23/2022</a:t>
             </a:fld>
             <a:endParaRPr lang="en-US"/>
           </a:p>
@@ -262,13 +251,7 @@
       </p:sp>
       <p:sp>
         <p:nvSpPr>
-          <p:cNvPr id="5" name="Footer Placeholder 4">
-            <a:extLst>
-              <a:ext uri="{FF2B5EF4-FFF2-40B4-BE49-F238E27FC236}">
-                <a16:creationId xmlns:a16="http://schemas.microsoft.com/office/drawing/2014/main" id="{FE249B93-D0B2-4141-8961-24F122BE8B9A}"/>
-              </a:ext>
-            </a:extLst>
-          </p:cNvPr>
+          <p:cNvPr id="5" name="Footer Placeholder 4"/>
           <p:cNvSpPr>
             <a:spLocks noGrp="1"/>
           </p:cNvSpPr>
@@ -287,13 +270,7 @@
       </p:sp>
       <p:sp>
         <p:nvSpPr>
-          <p:cNvPr id="6" name="Slide Number Placeholder 5">
-            <a:extLst>
-              <a:ext uri="{FF2B5EF4-FFF2-40B4-BE49-F238E27FC236}">
-                <a16:creationId xmlns:a16="http://schemas.microsoft.com/office/drawing/2014/main" id="{2E8C8082-1446-493C-8C3D-4E5B2B3DD210}"/>
-              </a:ext>
-            </a:extLst>
-          </p:cNvPr>
+          <p:cNvPr id="6" name="Slide Number Placeholder 5"/>
           <p:cNvSpPr>
             <a:spLocks noGrp="1"/>
           </p:cNvSpPr>
@@ -317,7 +294,7 @@
     </p:spTree>
     <p:extLst>
       <p:ext uri="{BB962C8B-B14F-4D97-AF65-F5344CB8AC3E}">
-        <p14:creationId xmlns:p14="http://schemas.microsoft.com/office/powerpoint/2010/main" val="1037420233"/>
+        <p14:creationId xmlns:p14="http://schemas.microsoft.com/office/powerpoint/2010/main" val="961565999"/>
       </p:ext>
     </p:extLst>
   </p:cSld>
@@ -346,13 +323,7 @@
       </p:grpSpPr>
       <p:sp>
         <p:nvSpPr>
-          <p:cNvPr id="2" name="Title 1">
-            <a:extLst>
-              <a:ext uri="{FF2B5EF4-FFF2-40B4-BE49-F238E27FC236}">
-                <a16:creationId xmlns:a16="http://schemas.microsoft.com/office/drawing/2014/main" id="{03034B57-F213-4786-B71F-E3D0EF799523}"/>
-              </a:ext>
-            </a:extLst>
-          </p:cNvPr>
+          <p:cNvPr id="2" name="Title 1"/>
           <p:cNvSpPr>
             <a:spLocks noGrp="1"/>
           </p:cNvSpPr>
@@ -369,18 +340,13 @@
               <a:rPr lang="en-US"/>
               <a:t>Click to edit Master title style</a:t>
             </a:r>
-          </a:p>
-        </p:txBody>
-      </p:sp>
-      <p:sp>
-        <p:nvSpPr>
-          <p:cNvPr id="3" name="Vertical Text Placeholder 2">
-            <a:extLst>
-              <a:ext uri="{FF2B5EF4-FFF2-40B4-BE49-F238E27FC236}">
-                <a16:creationId xmlns:a16="http://schemas.microsoft.com/office/drawing/2014/main" id="{A37B02EF-DD1E-4412-B16B-1AEC09B321B5}"/>
-              </a:ext>
-            </a:extLst>
-          </p:cNvPr>
+            <a:endParaRPr lang="en-US" dirty="0"/>
+          </a:p>
+        </p:txBody>
+      </p:sp>
+      <p:sp>
+        <p:nvSpPr>
+          <p:cNvPr id="3" name="Vertical Text Placeholder 2"/>
           <p:cNvSpPr>
             <a:spLocks noGrp="1"/>
           </p:cNvSpPr>
@@ -426,18 +392,13 @@
               <a:rPr lang="en-US"/>
               <a:t>Fifth level</a:t>
             </a:r>
-          </a:p>
-        </p:txBody>
-      </p:sp>
-      <p:sp>
-        <p:nvSpPr>
-          <p:cNvPr id="4" name="Date Placeholder 3">
-            <a:extLst>
-              <a:ext uri="{FF2B5EF4-FFF2-40B4-BE49-F238E27FC236}">
-                <a16:creationId xmlns:a16="http://schemas.microsoft.com/office/drawing/2014/main" id="{E94BBB78-F180-40DB-BF81-137682A36E69}"/>
-              </a:ext>
-            </a:extLst>
-          </p:cNvPr>
+            <a:endParaRPr lang="en-US" dirty="0"/>
+          </a:p>
+        </p:txBody>
+      </p:sp>
+      <p:sp>
+        <p:nvSpPr>
+          <p:cNvPr id="4" name="Date Placeholder 3"/>
           <p:cNvSpPr>
             <a:spLocks noGrp="1"/>
           </p:cNvSpPr>
@@ -452,7 +413,7 @@
           <a:p>
             <a:fld id="{310F73C8-F67B-4066-B26E-0A45A1504F83}" type="datetimeFigureOut">
               <a:rPr lang="en-US" smtClean="0"/>
-              <a:t>11/2/2021</a:t>
+              <a:t>3/23/2022</a:t>
             </a:fld>
             <a:endParaRPr lang="en-US"/>
           </a:p>
@@ -460,13 +421,7 @@
       </p:sp>
       <p:sp>
         <p:nvSpPr>
-          <p:cNvPr id="5" name="Footer Placeholder 4">
-            <a:extLst>
-              <a:ext uri="{FF2B5EF4-FFF2-40B4-BE49-F238E27FC236}">
-                <a16:creationId xmlns:a16="http://schemas.microsoft.com/office/drawing/2014/main" id="{76FBD502-288F-445E-995D-A3C27451C180}"/>
-              </a:ext>
-            </a:extLst>
-          </p:cNvPr>
+          <p:cNvPr id="5" name="Footer Placeholder 4"/>
           <p:cNvSpPr>
             <a:spLocks noGrp="1"/>
           </p:cNvSpPr>
@@ -485,13 +440,7 @@
       </p:sp>
       <p:sp>
         <p:nvSpPr>
-          <p:cNvPr id="6" name="Slide Number Placeholder 5">
-            <a:extLst>
-              <a:ext uri="{FF2B5EF4-FFF2-40B4-BE49-F238E27FC236}">
-                <a16:creationId xmlns:a16="http://schemas.microsoft.com/office/drawing/2014/main" id="{FA1EDAE7-BA23-4B86-A160-1C1F0037BD38}"/>
-              </a:ext>
-            </a:extLst>
-          </p:cNvPr>
+          <p:cNvPr id="6" name="Slide Number Placeholder 5"/>
           <p:cNvSpPr>
             <a:spLocks noGrp="1"/>
           </p:cNvSpPr>
@@ -515,7 +464,7 @@
     </p:spTree>
     <p:extLst>
       <p:ext uri="{BB962C8B-B14F-4D97-AF65-F5344CB8AC3E}">
-        <p14:creationId xmlns:p14="http://schemas.microsoft.com/office/powerpoint/2010/main" val="1416138273"/>
+        <p14:creationId xmlns:p14="http://schemas.microsoft.com/office/powerpoint/2010/main" val="893913740"/>
       </p:ext>
     </p:extLst>
   </p:cSld>
@@ -544,13 +493,7 @@
       </p:grpSpPr>
       <p:sp>
         <p:nvSpPr>
-          <p:cNvPr id="2" name="Vertical Title 1">
-            <a:extLst>
-              <a:ext uri="{FF2B5EF4-FFF2-40B4-BE49-F238E27FC236}">
-                <a16:creationId xmlns:a16="http://schemas.microsoft.com/office/drawing/2014/main" id="{7CDEF445-70FF-4040-B402-A518C6C08288}"/>
-              </a:ext>
-            </a:extLst>
-          </p:cNvPr>
+          <p:cNvPr id="2" name="Vertical Title 1"/>
           <p:cNvSpPr>
             <a:spLocks noGrp="1"/>
           </p:cNvSpPr>
@@ -560,8 +503,8 @@
         </p:nvSpPr>
         <p:spPr>
           <a:xfrm>
-            <a:off x="8724900" y="365125"/>
-            <a:ext cx="2628900" cy="5811838"/>
+            <a:off x="11605935" y="649111"/>
+            <a:ext cx="3496985" cy="10332156"/>
           </a:xfrm>
         </p:spPr>
         <p:txBody>
@@ -572,18 +515,13 @@
               <a:rPr lang="en-US"/>
               <a:t>Click to edit Master title style</a:t>
             </a:r>
-          </a:p>
-        </p:txBody>
-      </p:sp>
-      <p:sp>
-        <p:nvSpPr>
-          <p:cNvPr id="3" name="Vertical Text Placeholder 2">
-            <a:extLst>
-              <a:ext uri="{FF2B5EF4-FFF2-40B4-BE49-F238E27FC236}">
-                <a16:creationId xmlns:a16="http://schemas.microsoft.com/office/drawing/2014/main" id="{7CE3EA3F-BF34-49E1-B180-957D70BE88FB}"/>
-              </a:ext>
-            </a:extLst>
-          </p:cNvPr>
+            <a:endParaRPr lang="en-US" dirty="0"/>
+          </a:p>
+        </p:txBody>
+      </p:sp>
+      <p:sp>
+        <p:nvSpPr>
+          <p:cNvPr id="3" name="Vertical Text Placeholder 2"/>
           <p:cNvSpPr>
             <a:spLocks noGrp="1"/>
           </p:cNvSpPr>
@@ -593,8 +531,8 @@
         </p:nvSpPr>
         <p:spPr>
           <a:xfrm>
-            <a:off x="838200" y="365125"/>
-            <a:ext cx="7734300" cy="5811838"/>
+            <a:off x="1114982" y="649111"/>
+            <a:ext cx="10288230" cy="10332156"/>
           </a:xfrm>
         </p:spPr>
         <p:txBody>
@@ -634,18 +572,13 @@
               <a:rPr lang="en-US"/>
               <a:t>Fifth level</a:t>
             </a:r>
-          </a:p>
-        </p:txBody>
-      </p:sp>
-      <p:sp>
-        <p:nvSpPr>
-          <p:cNvPr id="4" name="Date Placeholder 3">
-            <a:extLst>
-              <a:ext uri="{FF2B5EF4-FFF2-40B4-BE49-F238E27FC236}">
-                <a16:creationId xmlns:a16="http://schemas.microsoft.com/office/drawing/2014/main" id="{11FA4704-0957-4B5C-8987-E2E32EB4B768}"/>
-              </a:ext>
-            </a:extLst>
-          </p:cNvPr>
+            <a:endParaRPr lang="en-US" dirty="0"/>
+          </a:p>
+        </p:txBody>
+      </p:sp>
+      <p:sp>
+        <p:nvSpPr>
+          <p:cNvPr id="4" name="Date Placeholder 3"/>
           <p:cNvSpPr>
             <a:spLocks noGrp="1"/>
           </p:cNvSpPr>
@@ -660,7 +593,7 @@
           <a:p>
             <a:fld id="{310F73C8-F67B-4066-B26E-0A45A1504F83}" type="datetimeFigureOut">
               <a:rPr lang="en-US" smtClean="0"/>
-              <a:t>11/2/2021</a:t>
+              <a:t>3/23/2022</a:t>
             </a:fld>
             <a:endParaRPr lang="en-US"/>
           </a:p>
@@ -668,13 +601,7 @@
       </p:sp>
       <p:sp>
         <p:nvSpPr>
-          <p:cNvPr id="5" name="Footer Placeholder 4">
-            <a:extLst>
-              <a:ext uri="{FF2B5EF4-FFF2-40B4-BE49-F238E27FC236}">
-                <a16:creationId xmlns:a16="http://schemas.microsoft.com/office/drawing/2014/main" id="{50219521-D687-4EC8-BE7E-271B789688CD}"/>
-              </a:ext>
-            </a:extLst>
-          </p:cNvPr>
+          <p:cNvPr id="5" name="Footer Placeholder 4"/>
           <p:cNvSpPr>
             <a:spLocks noGrp="1"/>
           </p:cNvSpPr>
@@ -693,13 +620,7 @@
       </p:sp>
       <p:sp>
         <p:nvSpPr>
-          <p:cNvPr id="6" name="Slide Number Placeholder 5">
-            <a:extLst>
-              <a:ext uri="{FF2B5EF4-FFF2-40B4-BE49-F238E27FC236}">
-                <a16:creationId xmlns:a16="http://schemas.microsoft.com/office/drawing/2014/main" id="{5654F0C8-8699-4410-960B-AD7B1F2B8D58}"/>
-              </a:ext>
-            </a:extLst>
-          </p:cNvPr>
+          <p:cNvPr id="6" name="Slide Number Placeholder 5"/>
           <p:cNvSpPr>
             <a:spLocks noGrp="1"/>
           </p:cNvSpPr>
@@ -723,7 +644,7 @@
     </p:spTree>
     <p:extLst>
       <p:ext uri="{BB962C8B-B14F-4D97-AF65-F5344CB8AC3E}">
-        <p14:creationId xmlns:p14="http://schemas.microsoft.com/office/powerpoint/2010/main" val="2819827639"/>
+        <p14:creationId xmlns:p14="http://schemas.microsoft.com/office/powerpoint/2010/main" val="1150262661"/>
       </p:ext>
     </p:extLst>
   </p:cSld>
@@ -752,13 +673,7 @@
       </p:grpSpPr>
       <p:sp>
         <p:nvSpPr>
-          <p:cNvPr id="2" name="Title 1">
-            <a:extLst>
-              <a:ext uri="{FF2B5EF4-FFF2-40B4-BE49-F238E27FC236}">
-                <a16:creationId xmlns:a16="http://schemas.microsoft.com/office/drawing/2014/main" id="{4FB7FE44-EC02-47AD-94D9-5207513808BF}"/>
-              </a:ext>
-            </a:extLst>
-          </p:cNvPr>
+          <p:cNvPr id="2" name="Title 1"/>
           <p:cNvSpPr>
             <a:spLocks noGrp="1"/>
           </p:cNvSpPr>
@@ -775,18 +690,13 @@
               <a:rPr lang="en-US"/>
               <a:t>Click to edit Master title style</a:t>
             </a:r>
-          </a:p>
-        </p:txBody>
-      </p:sp>
-      <p:sp>
-        <p:nvSpPr>
-          <p:cNvPr id="3" name="Content Placeholder 2">
-            <a:extLst>
-              <a:ext uri="{FF2B5EF4-FFF2-40B4-BE49-F238E27FC236}">
-                <a16:creationId xmlns:a16="http://schemas.microsoft.com/office/drawing/2014/main" id="{69928DED-1E05-4B11-A583-8803425CF79F}"/>
-              </a:ext>
-            </a:extLst>
-          </p:cNvPr>
+            <a:endParaRPr lang="en-US" dirty="0"/>
+          </a:p>
+        </p:txBody>
+      </p:sp>
+      <p:sp>
+        <p:nvSpPr>
+          <p:cNvPr id="3" name="Content Placeholder 2"/>
           <p:cNvSpPr>
             <a:spLocks noGrp="1"/>
           </p:cNvSpPr>
@@ -832,18 +742,13 @@
               <a:rPr lang="en-US"/>
               <a:t>Fifth level</a:t>
             </a:r>
-          </a:p>
-        </p:txBody>
-      </p:sp>
-      <p:sp>
-        <p:nvSpPr>
-          <p:cNvPr id="4" name="Date Placeholder 3">
-            <a:extLst>
-              <a:ext uri="{FF2B5EF4-FFF2-40B4-BE49-F238E27FC236}">
-                <a16:creationId xmlns:a16="http://schemas.microsoft.com/office/drawing/2014/main" id="{BD1FC36C-2E3B-4AA3-B207-3575A410FE41}"/>
-              </a:ext>
-            </a:extLst>
-          </p:cNvPr>
+            <a:endParaRPr lang="en-US" dirty="0"/>
+          </a:p>
+        </p:txBody>
+      </p:sp>
+      <p:sp>
+        <p:nvSpPr>
+          <p:cNvPr id="4" name="Date Placeholder 3"/>
           <p:cNvSpPr>
             <a:spLocks noGrp="1"/>
           </p:cNvSpPr>
@@ -858,7 +763,7 @@
           <a:p>
             <a:fld id="{310F73C8-F67B-4066-B26E-0A45A1504F83}" type="datetimeFigureOut">
               <a:rPr lang="en-US" smtClean="0"/>
-              <a:t>11/2/2021</a:t>
+              <a:t>3/23/2022</a:t>
             </a:fld>
             <a:endParaRPr lang="en-US"/>
           </a:p>
@@ -866,13 +771,7 @@
       </p:sp>
       <p:sp>
         <p:nvSpPr>
-          <p:cNvPr id="5" name="Footer Placeholder 4">
-            <a:extLst>
-              <a:ext uri="{FF2B5EF4-FFF2-40B4-BE49-F238E27FC236}">
-                <a16:creationId xmlns:a16="http://schemas.microsoft.com/office/drawing/2014/main" id="{A980996D-7DF0-4038-A1B3-B30D45F1CE42}"/>
-              </a:ext>
-            </a:extLst>
-          </p:cNvPr>
+          <p:cNvPr id="5" name="Footer Placeholder 4"/>
           <p:cNvSpPr>
             <a:spLocks noGrp="1"/>
           </p:cNvSpPr>
@@ -891,13 +790,7 @@
       </p:sp>
       <p:sp>
         <p:nvSpPr>
-          <p:cNvPr id="6" name="Slide Number Placeholder 5">
-            <a:extLst>
-              <a:ext uri="{FF2B5EF4-FFF2-40B4-BE49-F238E27FC236}">
-                <a16:creationId xmlns:a16="http://schemas.microsoft.com/office/drawing/2014/main" id="{B9B6D20F-BCF3-4F5F-90D8-5F94370405CA}"/>
-              </a:ext>
-            </a:extLst>
-          </p:cNvPr>
+          <p:cNvPr id="6" name="Slide Number Placeholder 5"/>
           <p:cNvSpPr>
             <a:spLocks noGrp="1"/>
           </p:cNvSpPr>
@@ -921,7 +814,7 @@
     </p:spTree>
     <p:extLst>
       <p:ext uri="{BB962C8B-B14F-4D97-AF65-F5344CB8AC3E}">
-        <p14:creationId xmlns:p14="http://schemas.microsoft.com/office/powerpoint/2010/main" val="1631521526"/>
+        <p14:creationId xmlns:p14="http://schemas.microsoft.com/office/powerpoint/2010/main" val="1815142488"/>
       </p:ext>
     </p:extLst>
   </p:cSld>
@@ -950,13 +843,7 @@
       </p:grpSpPr>
       <p:sp>
         <p:nvSpPr>
-          <p:cNvPr id="2" name="Title 1">
-            <a:extLst>
-              <a:ext uri="{FF2B5EF4-FFF2-40B4-BE49-F238E27FC236}">
-                <a16:creationId xmlns:a16="http://schemas.microsoft.com/office/drawing/2014/main" id="{2350544D-D4AF-4C99-8D0A-25CA9BD11D1B}"/>
-              </a:ext>
-            </a:extLst>
-          </p:cNvPr>
+          <p:cNvPr id="2" name="Title 1"/>
           <p:cNvSpPr>
             <a:spLocks noGrp="1"/>
           </p:cNvSpPr>
@@ -966,15 +853,15 @@
         </p:nvSpPr>
         <p:spPr>
           <a:xfrm>
-            <a:off x="831850" y="1709738"/>
-            <a:ext cx="10515600" cy="2852737"/>
+            <a:off x="1106535" y="3039537"/>
+            <a:ext cx="13987939" cy="5071532"/>
           </a:xfrm>
         </p:spPr>
         <p:txBody>
           <a:bodyPr anchor="b"/>
           <a:lstStyle>
             <a:lvl1pPr>
-              <a:defRPr sz="6000"/>
+              <a:defRPr sz="10642"/>
             </a:lvl1pPr>
           </a:lstStyle>
           <a:p>
@@ -982,18 +869,13 @@
               <a:rPr lang="en-US"/>
               <a:t>Click to edit Master title style</a:t>
             </a:r>
-          </a:p>
-        </p:txBody>
-      </p:sp>
-      <p:sp>
-        <p:nvSpPr>
-          <p:cNvPr id="3" name="Text Placeholder 2">
-            <a:extLst>
-              <a:ext uri="{FF2B5EF4-FFF2-40B4-BE49-F238E27FC236}">
-                <a16:creationId xmlns:a16="http://schemas.microsoft.com/office/drawing/2014/main" id="{8D404DF7-1A06-4B8C-B176-180C8FA90E89}"/>
-              </a:ext>
-            </a:extLst>
-          </p:cNvPr>
+            <a:endParaRPr lang="en-US" dirty="0"/>
+          </a:p>
+        </p:txBody>
+      </p:sp>
+      <p:sp>
+        <p:nvSpPr>
+          <p:cNvPr id="3" name="Text Placeholder 2"/>
           <p:cNvSpPr>
             <a:spLocks noGrp="1"/>
           </p:cNvSpPr>
@@ -1003,8 +885,8 @@
         </p:nvSpPr>
         <p:spPr>
           <a:xfrm>
-            <a:off x="831850" y="4589463"/>
-            <a:ext cx="10515600" cy="1500187"/>
+            <a:off x="1106535" y="8159048"/>
+            <a:ext cx="13987939" cy="2666999"/>
           </a:xfrm>
         </p:spPr>
         <p:txBody>
@@ -1012,17 +894,15 @@
           <a:lstStyle>
             <a:lvl1pPr marL="0" indent="0">
               <a:buNone/>
-              <a:defRPr sz="2400">
+              <a:defRPr sz="4257">
                 <a:solidFill>
-                  <a:schemeClr val="tx1">
-                    <a:tint val="75000"/>
-                  </a:schemeClr>
+                  <a:schemeClr val="tx1"/>
                 </a:solidFill>
               </a:defRPr>
             </a:lvl1pPr>
-            <a:lvl2pPr marL="457200" indent="0">
-              <a:buNone/>
-              <a:defRPr sz="2000">
+            <a:lvl2pPr marL="810890" indent="0">
+              <a:buNone/>
+              <a:defRPr sz="3547">
                 <a:solidFill>
                   <a:schemeClr val="tx1">
                     <a:tint val="75000"/>
@@ -1030,9 +910,9 @@
                 </a:solidFill>
               </a:defRPr>
             </a:lvl2pPr>
-            <a:lvl3pPr marL="914400" indent="0">
-              <a:buNone/>
-              <a:defRPr sz="1800">
+            <a:lvl3pPr marL="1621780" indent="0">
+              <a:buNone/>
+              <a:defRPr sz="3192">
                 <a:solidFill>
                   <a:schemeClr val="tx1">
                     <a:tint val="75000"/>
@@ -1040,9 +920,9 @@
                 </a:solidFill>
               </a:defRPr>
             </a:lvl3pPr>
-            <a:lvl4pPr marL="1371600" indent="0">
-              <a:buNone/>
-              <a:defRPr sz="1600">
+            <a:lvl4pPr marL="2432670" indent="0">
+              <a:buNone/>
+              <a:defRPr sz="2838">
                 <a:solidFill>
                   <a:schemeClr val="tx1">
                     <a:tint val="75000"/>
@@ -1050,9 +930,9 @@
                 </a:solidFill>
               </a:defRPr>
             </a:lvl4pPr>
-            <a:lvl5pPr marL="1828800" indent="0">
-              <a:buNone/>
-              <a:defRPr sz="1600">
+            <a:lvl5pPr marL="3243560" indent="0">
+              <a:buNone/>
+              <a:defRPr sz="2838">
                 <a:solidFill>
                   <a:schemeClr val="tx1">
                     <a:tint val="75000"/>
@@ -1060,9 +940,9 @@
                 </a:solidFill>
               </a:defRPr>
             </a:lvl5pPr>
-            <a:lvl6pPr marL="2286000" indent="0">
-              <a:buNone/>
-              <a:defRPr sz="1600">
+            <a:lvl6pPr marL="4054450" indent="0">
+              <a:buNone/>
+              <a:defRPr sz="2838">
                 <a:solidFill>
                   <a:schemeClr val="tx1">
                     <a:tint val="75000"/>
@@ -1070,9 +950,9 @@
                 </a:solidFill>
               </a:defRPr>
             </a:lvl6pPr>
-            <a:lvl7pPr marL="2743200" indent="0">
-              <a:buNone/>
-              <a:defRPr sz="1600">
+            <a:lvl7pPr marL="4865340" indent="0">
+              <a:buNone/>
+              <a:defRPr sz="2838">
                 <a:solidFill>
                   <a:schemeClr val="tx1">
                     <a:tint val="75000"/>
@@ -1080,9 +960,9 @@
                 </a:solidFill>
               </a:defRPr>
             </a:lvl7pPr>
-            <a:lvl8pPr marL="3200400" indent="0">
-              <a:buNone/>
-              <a:defRPr sz="1600">
+            <a:lvl8pPr marL="5676229" indent="0">
+              <a:buNone/>
+              <a:defRPr sz="2838">
                 <a:solidFill>
                   <a:schemeClr val="tx1">
                     <a:tint val="75000"/>
@@ -1090,9 +970,9 @@
                 </a:solidFill>
               </a:defRPr>
             </a:lvl8pPr>
-            <a:lvl9pPr marL="3657600" indent="0">
-              <a:buNone/>
-              <a:defRPr sz="1600">
+            <a:lvl9pPr marL="6487119" indent="0">
+              <a:buNone/>
+              <a:defRPr sz="2838">
                 <a:solidFill>
                   <a:schemeClr val="tx1">
                     <a:tint val="75000"/>
@@ -1112,13 +992,7 @@
       </p:sp>
       <p:sp>
         <p:nvSpPr>
-          <p:cNvPr id="4" name="Date Placeholder 3">
-            <a:extLst>
-              <a:ext uri="{FF2B5EF4-FFF2-40B4-BE49-F238E27FC236}">
-                <a16:creationId xmlns:a16="http://schemas.microsoft.com/office/drawing/2014/main" id="{A7F5A807-0A35-45AD-88B2-D53801E29BD2}"/>
-              </a:ext>
-            </a:extLst>
-          </p:cNvPr>
+          <p:cNvPr id="4" name="Date Placeholder 3"/>
           <p:cNvSpPr>
             <a:spLocks noGrp="1"/>
           </p:cNvSpPr>
@@ -1133,7 +1007,7 @@
           <a:p>
             <a:fld id="{310F73C8-F67B-4066-B26E-0A45A1504F83}" type="datetimeFigureOut">
               <a:rPr lang="en-US" smtClean="0"/>
-              <a:t>11/2/2021</a:t>
+              <a:t>3/23/2022</a:t>
             </a:fld>
             <a:endParaRPr lang="en-US"/>
           </a:p>
@@ -1141,13 +1015,7 @@
       </p:sp>
       <p:sp>
         <p:nvSpPr>
-          <p:cNvPr id="5" name="Footer Placeholder 4">
-            <a:extLst>
-              <a:ext uri="{FF2B5EF4-FFF2-40B4-BE49-F238E27FC236}">
-                <a16:creationId xmlns:a16="http://schemas.microsoft.com/office/drawing/2014/main" id="{02392547-429B-4A70-95DE-3F24EB7ACE8E}"/>
-              </a:ext>
-            </a:extLst>
-          </p:cNvPr>
+          <p:cNvPr id="5" name="Footer Placeholder 4"/>
           <p:cNvSpPr>
             <a:spLocks noGrp="1"/>
           </p:cNvSpPr>
@@ -1166,13 +1034,7 @@
       </p:sp>
       <p:sp>
         <p:nvSpPr>
-          <p:cNvPr id="6" name="Slide Number Placeholder 5">
-            <a:extLst>
-              <a:ext uri="{FF2B5EF4-FFF2-40B4-BE49-F238E27FC236}">
-                <a16:creationId xmlns:a16="http://schemas.microsoft.com/office/drawing/2014/main" id="{6864A901-5B41-4D91-A02F-3B78F1EA7B94}"/>
-              </a:ext>
-            </a:extLst>
-          </p:cNvPr>
+          <p:cNvPr id="6" name="Slide Number Placeholder 5"/>
           <p:cNvSpPr>
             <a:spLocks noGrp="1"/>
           </p:cNvSpPr>
@@ -1196,7 +1058,7 @@
     </p:spTree>
     <p:extLst>
       <p:ext uri="{BB962C8B-B14F-4D97-AF65-F5344CB8AC3E}">
-        <p14:creationId xmlns:p14="http://schemas.microsoft.com/office/powerpoint/2010/main" val="4165748475"/>
+        <p14:creationId xmlns:p14="http://schemas.microsoft.com/office/powerpoint/2010/main" val="3857532605"/>
       </p:ext>
     </p:extLst>
   </p:cSld>
@@ -1225,13 +1087,7 @@
       </p:grpSpPr>
       <p:sp>
         <p:nvSpPr>
-          <p:cNvPr id="2" name="Title 1">
-            <a:extLst>
-              <a:ext uri="{FF2B5EF4-FFF2-40B4-BE49-F238E27FC236}">
-                <a16:creationId xmlns:a16="http://schemas.microsoft.com/office/drawing/2014/main" id="{3644F343-C88D-41BF-AF25-E02CD0762B4D}"/>
-              </a:ext>
-            </a:extLst>
-          </p:cNvPr>
+          <p:cNvPr id="2" name="Title 1"/>
           <p:cNvSpPr>
             <a:spLocks noGrp="1"/>
           </p:cNvSpPr>
@@ -1248,18 +1104,13 @@
               <a:rPr lang="en-US"/>
               <a:t>Click to edit Master title style</a:t>
             </a:r>
-          </a:p>
-        </p:txBody>
-      </p:sp>
-      <p:sp>
-        <p:nvSpPr>
-          <p:cNvPr id="3" name="Content Placeholder 2">
-            <a:extLst>
-              <a:ext uri="{FF2B5EF4-FFF2-40B4-BE49-F238E27FC236}">
-                <a16:creationId xmlns:a16="http://schemas.microsoft.com/office/drawing/2014/main" id="{096005FE-0DB0-459C-AEA8-C3869F518848}"/>
-              </a:ext>
-            </a:extLst>
-          </p:cNvPr>
+            <a:endParaRPr lang="en-US" dirty="0"/>
+          </a:p>
+        </p:txBody>
+      </p:sp>
+      <p:sp>
+        <p:nvSpPr>
+          <p:cNvPr id="3" name="Content Placeholder 2"/>
           <p:cNvSpPr>
             <a:spLocks noGrp="1"/>
           </p:cNvSpPr>
@@ -1269,8 +1120,8 @@
         </p:nvSpPr>
         <p:spPr>
           <a:xfrm>
-            <a:off x="838200" y="1825625"/>
-            <a:ext cx="5181600" cy="4351338"/>
+            <a:off x="1114980" y="3245556"/>
+            <a:ext cx="6892608" cy="7735712"/>
           </a:xfrm>
         </p:spPr>
         <p:txBody>
@@ -1310,18 +1161,13 @@
               <a:rPr lang="en-US"/>
               <a:t>Fifth level</a:t>
             </a:r>
-          </a:p>
-        </p:txBody>
-      </p:sp>
-      <p:sp>
-        <p:nvSpPr>
-          <p:cNvPr id="4" name="Content Placeholder 3">
-            <a:extLst>
-              <a:ext uri="{FF2B5EF4-FFF2-40B4-BE49-F238E27FC236}">
-                <a16:creationId xmlns:a16="http://schemas.microsoft.com/office/drawing/2014/main" id="{AB73AF95-EE9A-4CED-B296-21F6D3A9775A}"/>
-              </a:ext>
-            </a:extLst>
-          </p:cNvPr>
+            <a:endParaRPr lang="en-US" dirty="0"/>
+          </a:p>
+        </p:txBody>
+      </p:sp>
+      <p:sp>
+        <p:nvSpPr>
+          <p:cNvPr id="4" name="Content Placeholder 3"/>
           <p:cNvSpPr>
             <a:spLocks noGrp="1"/>
           </p:cNvSpPr>
@@ -1331,8 +1177,8 @@
         </p:nvSpPr>
         <p:spPr>
           <a:xfrm>
-            <a:off x="6172200" y="1825625"/>
-            <a:ext cx="5181600" cy="4351338"/>
+            <a:off x="8210312" y="3245556"/>
+            <a:ext cx="6892608" cy="7735712"/>
           </a:xfrm>
         </p:spPr>
         <p:txBody>
@@ -1372,18 +1218,13 @@
               <a:rPr lang="en-US"/>
               <a:t>Fifth level</a:t>
             </a:r>
-          </a:p>
-        </p:txBody>
-      </p:sp>
-      <p:sp>
-        <p:nvSpPr>
-          <p:cNvPr id="5" name="Date Placeholder 4">
-            <a:extLst>
-              <a:ext uri="{FF2B5EF4-FFF2-40B4-BE49-F238E27FC236}">
-                <a16:creationId xmlns:a16="http://schemas.microsoft.com/office/drawing/2014/main" id="{221CC794-F835-4DF6-B712-98EEDC6F7AD8}"/>
-              </a:ext>
-            </a:extLst>
-          </p:cNvPr>
+            <a:endParaRPr lang="en-US" dirty="0"/>
+          </a:p>
+        </p:txBody>
+      </p:sp>
+      <p:sp>
+        <p:nvSpPr>
+          <p:cNvPr id="5" name="Date Placeholder 4"/>
           <p:cNvSpPr>
             <a:spLocks noGrp="1"/>
           </p:cNvSpPr>
@@ -1398,7 +1239,7 @@
           <a:p>
             <a:fld id="{310F73C8-F67B-4066-B26E-0A45A1504F83}" type="datetimeFigureOut">
               <a:rPr lang="en-US" smtClean="0"/>
-              <a:t>11/2/2021</a:t>
+              <a:t>3/23/2022</a:t>
             </a:fld>
             <a:endParaRPr lang="en-US"/>
           </a:p>
@@ -1406,13 +1247,7 @@
       </p:sp>
       <p:sp>
         <p:nvSpPr>
-          <p:cNvPr id="6" name="Footer Placeholder 5">
-            <a:extLst>
-              <a:ext uri="{FF2B5EF4-FFF2-40B4-BE49-F238E27FC236}">
-                <a16:creationId xmlns:a16="http://schemas.microsoft.com/office/drawing/2014/main" id="{2C725FA5-5D8A-4F96-B7CB-831109FA25BC}"/>
-              </a:ext>
-            </a:extLst>
-          </p:cNvPr>
+          <p:cNvPr id="6" name="Footer Placeholder 5"/>
           <p:cNvSpPr>
             <a:spLocks noGrp="1"/>
           </p:cNvSpPr>
@@ -1431,13 +1266,7 @@
       </p:sp>
       <p:sp>
         <p:nvSpPr>
-          <p:cNvPr id="7" name="Slide Number Placeholder 6">
-            <a:extLst>
-              <a:ext uri="{FF2B5EF4-FFF2-40B4-BE49-F238E27FC236}">
-                <a16:creationId xmlns:a16="http://schemas.microsoft.com/office/drawing/2014/main" id="{C1347E0F-EDDA-47BE-BEDC-9B6A61468BE7}"/>
-              </a:ext>
-            </a:extLst>
-          </p:cNvPr>
+          <p:cNvPr id="7" name="Slide Number Placeholder 6"/>
           <p:cNvSpPr>
             <a:spLocks noGrp="1"/>
           </p:cNvSpPr>
@@ -1461,7 +1290,7 @@
     </p:spTree>
     <p:extLst>
       <p:ext uri="{BB962C8B-B14F-4D97-AF65-F5344CB8AC3E}">
-        <p14:creationId xmlns:p14="http://schemas.microsoft.com/office/powerpoint/2010/main" val="614716693"/>
+        <p14:creationId xmlns:p14="http://schemas.microsoft.com/office/powerpoint/2010/main" val="3271635454"/>
       </p:ext>
     </p:extLst>
   </p:cSld>
@@ -1490,13 +1319,7 @@
       </p:grpSpPr>
       <p:sp>
         <p:nvSpPr>
-          <p:cNvPr id="2" name="Title 1">
-            <a:extLst>
-              <a:ext uri="{FF2B5EF4-FFF2-40B4-BE49-F238E27FC236}">
-                <a16:creationId xmlns:a16="http://schemas.microsoft.com/office/drawing/2014/main" id="{A92EC8EC-C24E-4E90-BB09-5380B95819F9}"/>
-              </a:ext>
-            </a:extLst>
-          </p:cNvPr>
+          <p:cNvPr id="2" name="Title 1"/>
           <p:cNvSpPr>
             <a:spLocks noGrp="1"/>
           </p:cNvSpPr>
@@ -1506,8 +1329,8 @@
         </p:nvSpPr>
         <p:spPr>
           <a:xfrm>
-            <a:off x="839788" y="365125"/>
-            <a:ext cx="10515600" cy="1325563"/>
+            <a:off x="1117093" y="649114"/>
+            <a:ext cx="13987939" cy="2356556"/>
           </a:xfrm>
         </p:spPr>
         <p:txBody>
@@ -1518,18 +1341,13 @@
               <a:rPr lang="en-US"/>
               <a:t>Click to edit Master title style</a:t>
             </a:r>
-          </a:p>
-        </p:txBody>
-      </p:sp>
-      <p:sp>
-        <p:nvSpPr>
-          <p:cNvPr id="3" name="Text Placeholder 2">
-            <a:extLst>
-              <a:ext uri="{FF2B5EF4-FFF2-40B4-BE49-F238E27FC236}">
-                <a16:creationId xmlns:a16="http://schemas.microsoft.com/office/drawing/2014/main" id="{E8283F45-F8FB-4050-9DB7-8CE8580DD0F1}"/>
-              </a:ext>
-            </a:extLst>
-          </p:cNvPr>
+            <a:endParaRPr lang="en-US" dirty="0"/>
+          </a:p>
+        </p:txBody>
+      </p:sp>
+      <p:sp>
+        <p:nvSpPr>
+          <p:cNvPr id="3" name="Text Placeholder 2"/>
           <p:cNvSpPr>
             <a:spLocks noGrp="1"/>
           </p:cNvSpPr>
@@ -1539,8 +1357,8 @@
         </p:nvSpPr>
         <p:spPr>
           <a:xfrm>
-            <a:off x="839788" y="1681163"/>
-            <a:ext cx="5157787" cy="823912"/>
+            <a:off x="1117095" y="2988734"/>
+            <a:ext cx="6860931" cy="1464732"/>
           </a:xfrm>
         </p:spPr>
         <p:txBody>
@@ -1548,39 +1366,39 @@
           <a:lstStyle>
             <a:lvl1pPr marL="0" indent="0">
               <a:buNone/>
-              <a:defRPr sz="2400" b="1"/>
+              <a:defRPr sz="4257" b="1"/>
             </a:lvl1pPr>
-            <a:lvl2pPr marL="457200" indent="0">
-              <a:buNone/>
-              <a:defRPr sz="2000" b="1"/>
+            <a:lvl2pPr marL="810890" indent="0">
+              <a:buNone/>
+              <a:defRPr sz="3547" b="1"/>
             </a:lvl2pPr>
-            <a:lvl3pPr marL="914400" indent="0">
-              <a:buNone/>
-              <a:defRPr sz="1800" b="1"/>
+            <a:lvl3pPr marL="1621780" indent="0">
+              <a:buNone/>
+              <a:defRPr sz="3192" b="1"/>
             </a:lvl3pPr>
-            <a:lvl4pPr marL="1371600" indent="0">
-              <a:buNone/>
-              <a:defRPr sz="1600" b="1"/>
+            <a:lvl4pPr marL="2432670" indent="0">
+              <a:buNone/>
+              <a:defRPr sz="2838" b="1"/>
             </a:lvl4pPr>
-            <a:lvl5pPr marL="1828800" indent="0">
-              <a:buNone/>
-              <a:defRPr sz="1600" b="1"/>
+            <a:lvl5pPr marL="3243560" indent="0">
+              <a:buNone/>
+              <a:defRPr sz="2838" b="1"/>
             </a:lvl5pPr>
-            <a:lvl6pPr marL="2286000" indent="0">
-              <a:buNone/>
-              <a:defRPr sz="1600" b="1"/>
+            <a:lvl6pPr marL="4054450" indent="0">
+              <a:buNone/>
+              <a:defRPr sz="2838" b="1"/>
             </a:lvl6pPr>
-            <a:lvl7pPr marL="2743200" indent="0">
-              <a:buNone/>
-              <a:defRPr sz="1600" b="1"/>
+            <a:lvl7pPr marL="4865340" indent="0">
+              <a:buNone/>
+              <a:defRPr sz="2838" b="1"/>
             </a:lvl7pPr>
-            <a:lvl8pPr marL="3200400" indent="0">
-              <a:buNone/>
-              <a:defRPr sz="1600" b="1"/>
+            <a:lvl8pPr marL="5676229" indent="0">
+              <a:buNone/>
+              <a:defRPr sz="2838" b="1"/>
             </a:lvl8pPr>
-            <a:lvl9pPr marL="3657600" indent="0">
-              <a:buNone/>
-              <a:defRPr sz="1600" b="1"/>
+            <a:lvl9pPr marL="6487119" indent="0">
+              <a:buNone/>
+              <a:defRPr sz="2838" b="1"/>
             </a:lvl9pPr>
           </a:lstStyle>
           <a:p>
@@ -1594,13 +1412,7 @@
       </p:sp>
       <p:sp>
         <p:nvSpPr>
-          <p:cNvPr id="4" name="Content Placeholder 3">
-            <a:extLst>
-              <a:ext uri="{FF2B5EF4-FFF2-40B4-BE49-F238E27FC236}">
-                <a16:creationId xmlns:a16="http://schemas.microsoft.com/office/drawing/2014/main" id="{4F6F5E01-097E-45AB-A024-0A6A0A9496DC}"/>
-              </a:ext>
-            </a:extLst>
-          </p:cNvPr>
+          <p:cNvPr id="4" name="Content Placeholder 3"/>
           <p:cNvSpPr>
             <a:spLocks noGrp="1"/>
           </p:cNvSpPr>
@@ -1610,8 +1422,8 @@
         </p:nvSpPr>
         <p:spPr>
           <a:xfrm>
-            <a:off x="839788" y="2505075"/>
-            <a:ext cx="5157787" cy="3684588"/>
+            <a:off x="1117095" y="4453467"/>
+            <a:ext cx="6860931" cy="6550379"/>
           </a:xfrm>
         </p:spPr>
         <p:txBody>
@@ -1651,18 +1463,13 @@
               <a:rPr lang="en-US"/>
               <a:t>Fifth level</a:t>
             </a:r>
-          </a:p>
-        </p:txBody>
-      </p:sp>
-      <p:sp>
-        <p:nvSpPr>
-          <p:cNvPr id="5" name="Text Placeholder 4">
-            <a:extLst>
-              <a:ext uri="{FF2B5EF4-FFF2-40B4-BE49-F238E27FC236}">
-                <a16:creationId xmlns:a16="http://schemas.microsoft.com/office/drawing/2014/main" id="{A275EC4F-D2A5-412D-86DC-2D5DA11296C5}"/>
-              </a:ext>
-            </a:extLst>
-          </p:cNvPr>
+            <a:endParaRPr lang="en-US" dirty="0"/>
+          </a:p>
+        </p:txBody>
+      </p:sp>
+      <p:sp>
+        <p:nvSpPr>
+          <p:cNvPr id="5" name="Text Placeholder 4"/>
           <p:cNvSpPr>
             <a:spLocks noGrp="1"/>
           </p:cNvSpPr>
@@ -1672,8 +1479,8 @@
         </p:nvSpPr>
         <p:spPr>
           <a:xfrm>
-            <a:off x="6172200" y="1681163"/>
-            <a:ext cx="5183188" cy="823912"/>
+            <a:off x="8210313" y="2988734"/>
+            <a:ext cx="6894720" cy="1464732"/>
           </a:xfrm>
         </p:spPr>
         <p:txBody>
@@ -1681,39 +1488,39 @@
           <a:lstStyle>
             <a:lvl1pPr marL="0" indent="0">
               <a:buNone/>
-              <a:defRPr sz="2400" b="1"/>
+              <a:defRPr sz="4257" b="1"/>
             </a:lvl1pPr>
-            <a:lvl2pPr marL="457200" indent="0">
-              <a:buNone/>
-              <a:defRPr sz="2000" b="1"/>
+            <a:lvl2pPr marL="810890" indent="0">
+              <a:buNone/>
+              <a:defRPr sz="3547" b="1"/>
             </a:lvl2pPr>
-            <a:lvl3pPr marL="914400" indent="0">
-              <a:buNone/>
-              <a:defRPr sz="1800" b="1"/>
+            <a:lvl3pPr marL="1621780" indent="0">
+              <a:buNone/>
+              <a:defRPr sz="3192" b="1"/>
             </a:lvl3pPr>
-            <a:lvl4pPr marL="1371600" indent="0">
-              <a:buNone/>
-              <a:defRPr sz="1600" b="1"/>
+            <a:lvl4pPr marL="2432670" indent="0">
+              <a:buNone/>
+              <a:defRPr sz="2838" b="1"/>
             </a:lvl4pPr>
-            <a:lvl5pPr marL="1828800" indent="0">
-              <a:buNone/>
-              <a:defRPr sz="1600" b="1"/>
+            <a:lvl5pPr marL="3243560" indent="0">
+              <a:buNone/>
+              <a:defRPr sz="2838" b="1"/>
             </a:lvl5pPr>
-            <a:lvl6pPr marL="2286000" indent="0">
-              <a:buNone/>
-              <a:defRPr sz="1600" b="1"/>
+            <a:lvl6pPr marL="4054450" indent="0">
+              <a:buNone/>
+              <a:defRPr sz="2838" b="1"/>
             </a:lvl6pPr>
-            <a:lvl7pPr marL="2743200" indent="0">
-              <a:buNone/>
-              <a:defRPr sz="1600" b="1"/>
+            <a:lvl7pPr marL="4865340" indent="0">
+              <a:buNone/>
+              <a:defRPr sz="2838" b="1"/>
             </a:lvl7pPr>
-            <a:lvl8pPr marL="3200400" indent="0">
-              <a:buNone/>
-              <a:defRPr sz="1600" b="1"/>
+            <a:lvl8pPr marL="5676229" indent="0">
+              <a:buNone/>
+              <a:defRPr sz="2838" b="1"/>
             </a:lvl8pPr>
-            <a:lvl9pPr marL="3657600" indent="0">
-              <a:buNone/>
-              <a:defRPr sz="1600" b="1"/>
+            <a:lvl9pPr marL="6487119" indent="0">
+              <a:buNone/>
+              <a:defRPr sz="2838" b="1"/>
             </a:lvl9pPr>
           </a:lstStyle>
           <a:p>
@@ -1727,13 +1534,7 @@
       </p:sp>
       <p:sp>
         <p:nvSpPr>
-          <p:cNvPr id="6" name="Content Placeholder 5">
-            <a:extLst>
-              <a:ext uri="{FF2B5EF4-FFF2-40B4-BE49-F238E27FC236}">
-                <a16:creationId xmlns:a16="http://schemas.microsoft.com/office/drawing/2014/main" id="{858CCBF3-466C-4D21-9E5E-BA4A976DA622}"/>
-              </a:ext>
-            </a:extLst>
-          </p:cNvPr>
+          <p:cNvPr id="6" name="Content Placeholder 5"/>
           <p:cNvSpPr>
             <a:spLocks noGrp="1"/>
           </p:cNvSpPr>
@@ -1743,8 +1544,8 @@
         </p:nvSpPr>
         <p:spPr>
           <a:xfrm>
-            <a:off x="6172200" y="2505075"/>
-            <a:ext cx="5183188" cy="3684588"/>
+            <a:off x="8210313" y="4453467"/>
+            <a:ext cx="6894720" cy="6550379"/>
           </a:xfrm>
         </p:spPr>
         <p:txBody>
@@ -1784,18 +1585,13 @@
               <a:rPr lang="en-US"/>
               <a:t>Fifth level</a:t>
             </a:r>
-          </a:p>
-        </p:txBody>
-      </p:sp>
-      <p:sp>
-        <p:nvSpPr>
-          <p:cNvPr id="7" name="Date Placeholder 6">
-            <a:extLst>
-              <a:ext uri="{FF2B5EF4-FFF2-40B4-BE49-F238E27FC236}">
-                <a16:creationId xmlns:a16="http://schemas.microsoft.com/office/drawing/2014/main" id="{DDEE290B-9999-49FD-A4A7-15781A3FDE69}"/>
-              </a:ext>
-            </a:extLst>
-          </p:cNvPr>
+            <a:endParaRPr lang="en-US" dirty="0"/>
+          </a:p>
+        </p:txBody>
+      </p:sp>
+      <p:sp>
+        <p:nvSpPr>
+          <p:cNvPr id="7" name="Date Placeholder 6"/>
           <p:cNvSpPr>
             <a:spLocks noGrp="1"/>
           </p:cNvSpPr>
@@ -1810,7 +1606,7 @@
           <a:p>
             <a:fld id="{310F73C8-F67B-4066-B26E-0A45A1504F83}" type="datetimeFigureOut">
               <a:rPr lang="en-US" smtClean="0"/>
-              <a:t>11/2/2021</a:t>
+              <a:t>3/23/2022</a:t>
             </a:fld>
             <a:endParaRPr lang="en-US"/>
           </a:p>
@@ -1818,13 +1614,7 @@
       </p:sp>
       <p:sp>
         <p:nvSpPr>
-          <p:cNvPr id="8" name="Footer Placeholder 7">
-            <a:extLst>
-              <a:ext uri="{FF2B5EF4-FFF2-40B4-BE49-F238E27FC236}">
-                <a16:creationId xmlns:a16="http://schemas.microsoft.com/office/drawing/2014/main" id="{64DBA57F-BFB0-4F49-B099-5EB98788F0A4}"/>
-              </a:ext>
-            </a:extLst>
-          </p:cNvPr>
+          <p:cNvPr id="8" name="Footer Placeholder 7"/>
           <p:cNvSpPr>
             <a:spLocks noGrp="1"/>
           </p:cNvSpPr>
@@ -1843,13 +1633,7 @@
       </p:sp>
       <p:sp>
         <p:nvSpPr>
-          <p:cNvPr id="9" name="Slide Number Placeholder 8">
-            <a:extLst>
-              <a:ext uri="{FF2B5EF4-FFF2-40B4-BE49-F238E27FC236}">
-                <a16:creationId xmlns:a16="http://schemas.microsoft.com/office/drawing/2014/main" id="{54F16143-4E65-4A8B-965F-5103A0108D20}"/>
-              </a:ext>
-            </a:extLst>
-          </p:cNvPr>
+          <p:cNvPr id="9" name="Slide Number Placeholder 8"/>
           <p:cNvSpPr>
             <a:spLocks noGrp="1"/>
           </p:cNvSpPr>
@@ -1873,7 +1657,7 @@
     </p:spTree>
     <p:extLst>
       <p:ext uri="{BB962C8B-B14F-4D97-AF65-F5344CB8AC3E}">
-        <p14:creationId xmlns:p14="http://schemas.microsoft.com/office/powerpoint/2010/main" val="2934678222"/>
+        <p14:creationId xmlns:p14="http://schemas.microsoft.com/office/powerpoint/2010/main" val="3826219480"/>
       </p:ext>
     </p:extLst>
   </p:cSld>
@@ -1902,13 +1686,7 @@
       </p:grpSpPr>
       <p:sp>
         <p:nvSpPr>
-          <p:cNvPr id="2" name="Title 1">
-            <a:extLst>
-              <a:ext uri="{FF2B5EF4-FFF2-40B4-BE49-F238E27FC236}">
-                <a16:creationId xmlns:a16="http://schemas.microsoft.com/office/drawing/2014/main" id="{FB206784-2837-44D0-BA05-1CD292A6CFA6}"/>
-              </a:ext>
-            </a:extLst>
-          </p:cNvPr>
+          <p:cNvPr id="2" name="Title 1"/>
           <p:cNvSpPr>
             <a:spLocks noGrp="1"/>
           </p:cNvSpPr>
@@ -1925,18 +1703,13 @@
               <a:rPr lang="en-US"/>
               <a:t>Click to edit Master title style</a:t>
             </a:r>
-          </a:p>
-        </p:txBody>
-      </p:sp>
-      <p:sp>
-        <p:nvSpPr>
-          <p:cNvPr id="3" name="Date Placeholder 2">
-            <a:extLst>
-              <a:ext uri="{FF2B5EF4-FFF2-40B4-BE49-F238E27FC236}">
-                <a16:creationId xmlns:a16="http://schemas.microsoft.com/office/drawing/2014/main" id="{9144D065-F6FB-428E-BEF8-462D293D4746}"/>
-              </a:ext>
-            </a:extLst>
-          </p:cNvPr>
+            <a:endParaRPr lang="en-US" dirty="0"/>
+          </a:p>
+        </p:txBody>
+      </p:sp>
+      <p:sp>
+        <p:nvSpPr>
+          <p:cNvPr id="3" name="Date Placeholder 2"/>
           <p:cNvSpPr>
             <a:spLocks noGrp="1"/>
           </p:cNvSpPr>
@@ -1951,7 +1724,7 @@
           <a:p>
             <a:fld id="{310F73C8-F67B-4066-B26E-0A45A1504F83}" type="datetimeFigureOut">
               <a:rPr lang="en-US" smtClean="0"/>
-              <a:t>11/2/2021</a:t>
+              <a:t>3/23/2022</a:t>
             </a:fld>
             <a:endParaRPr lang="en-US"/>
           </a:p>
@@ -1959,13 +1732,7 @@
       </p:sp>
       <p:sp>
         <p:nvSpPr>
-          <p:cNvPr id="4" name="Footer Placeholder 3">
-            <a:extLst>
-              <a:ext uri="{FF2B5EF4-FFF2-40B4-BE49-F238E27FC236}">
-                <a16:creationId xmlns:a16="http://schemas.microsoft.com/office/drawing/2014/main" id="{E9DA085C-0DD8-4603-B5B4-BFF52EA7C027}"/>
-              </a:ext>
-            </a:extLst>
-          </p:cNvPr>
+          <p:cNvPr id="4" name="Footer Placeholder 3"/>
           <p:cNvSpPr>
             <a:spLocks noGrp="1"/>
           </p:cNvSpPr>
@@ -1984,13 +1751,7 @@
       </p:sp>
       <p:sp>
         <p:nvSpPr>
-          <p:cNvPr id="5" name="Slide Number Placeholder 4">
-            <a:extLst>
-              <a:ext uri="{FF2B5EF4-FFF2-40B4-BE49-F238E27FC236}">
-                <a16:creationId xmlns:a16="http://schemas.microsoft.com/office/drawing/2014/main" id="{1B29162D-9FB5-4D02-839F-53D51BC8ABF7}"/>
-              </a:ext>
-            </a:extLst>
-          </p:cNvPr>
+          <p:cNvPr id="5" name="Slide Number Placeholder 4"/>
           <p:cNvSpPr>
             <a:spLocks noGrp="1"/>
           </p:cNvSpPr>
@@ -2014,7 +1775,7 @@
     </p:spTree>
     <p:extLst>
       <p:ext uri="{BB962C8B-B14F-4D97-AF65-F5344CB8AC3E}">
-        <p14:creationId xmlns:p14="http://schemas.microsoft.com/office/powerpoint/2010/main" val="2293048943"/>
+        <p14:creationId xmlns:p14="http://schemas.microsoft.com/office/powerpoint/2010/main" val="1256405588"/>
       </p:ext>
     </p:extLst>
   </p:cSld>
@@ -2043,13 +1804,7 @@
       </p:grpSpPr>
       <p:sp>
         <p:nvSpPr>
-          <p:cNvPr id="2" name="Date Placeholder 1">
-            <a:extLst>
-              <a:ext uri="{FF2B5EF4-FFF2-40B4-BE49-F238E27FC236}">
-                <a16:creationId xmlns:a16="http://schemas.microsoft.com/office/drawing/2014/main" id="{C555A902-8533-46CB-87D2-1CA369A6AEDB}"/>
-              </a:ext>
-            </a:extLst>
-          </p:cNvPr>
+          <p:cNvPr id="2" name="Date Placeholder 1"/>
           <p:cNvSpPr>
             <a:spLocks noGrp="1"/>
           </p:cNvSpPr>
@@ -2064,7 +1819,7 @@
           <a:p>
             <a:fld id="{310F73C8-F67B-4066-B26E-0A45A1504F83}" type="datetimeFigureOut">
               <a:rPr lang="en-US" smtClean="0"/>
-              <a:t>11/2/2021</a:t>
+              <a:t>3/23/2022</a:t>
             </a:fld>
             <a:endParaRPr lang="en-US"/>
           </a:p>
@@ -2072,13 +1827,7 @@
       </p:sp>
       <p:sp>
         <p:nvSpPr>
-          <p:cNvPr id="3" name="Footer Placeholder 2">
-            <a:extLst>
-              <a:ext uri="{FF2B5EF4-FFF2-40B4-BE49-F238E27FC236}">
-                <a16:creationId xmlns:a16="http://schemas.microsoft.com/office/drawing/2014/main" id="{686D1E91-450E-4F0D-814E-68C43485709D}"/>
-              </a:ext>
-            </a:extLst>
-          </p:cNvPr>
+          <p:cNvPr id="3" name="Footer Placeholder 2"/>
           <p:cNvSpPr>
             <a:spLocks noGrp="1"/>
           </p:cNvSpPr>
@@ -2097,13 +1846,7 @@
       </p:sp>
       <p:sp>
         <p:nvSpPr>
-          <p:cNvPr id="4" name="Slide Number Placeholder 3">
-            <a:extLst>
-              <a:ext uri="{FF2B5EF4-FFF2-40B4-BE49-F238E27FC236}">
-                <a16:creationId xmlns:a16="http://schemas.microsoft.com/office/drawing/2014/main" id="{7F6F8D18-440D-4B7A-B6A7-247668170B6A}"/>
-              </a:ext>
-            </a:extLst>
-          </p:cNvPr>
+          <p:cNvPr id="4" name="Slide Number Placeholder 3"/>
           <p:cNvSpPr>
             <a:spLocks noGrp="1"/>
           </p:cNvSpPr>
@@ -2127,7 +1870,7 @@
     </p:spTree>
     <p:extLst>
       <p:ext uri="{BB962C8B-B14F-4D97-AF65-F5344CB8AC3E}">
-        <p14:creationId xmlns:p14="http://schemas.microsoft.com/office/powerpoint/2010/main" val="3340476642"/>
+        <p14:creationId xmlns:p14="http://schemas.microsoft.com/office/powerpoint/2010/main" val="3885522425"/>
       </p:ext>
     </p:extLst>
   </p:cSld>
@@ -2156,13 +1899,7 @@
       </p:grpSpPr>
       <p:sp>
         <p:nvSpPr>
-          <p:cNvPr id="2" name="Title 1">
-            <a:extLst>
-              <a:ext uri="{FF2B5EF4-FFF2-40B4-BE49-F238E27FC236}">
-                <a16:creationId xmlns:a16="http://schemas.microsoft.com/office/drawing/2014/main" id="{FB944C1C-CF65-4792-9B62-CB85CF19D1B3}"/>
-              </a:ext>
-            </a:extLst>
-          </p:cNvPr>
+          <p:cNvPr id="2" name="Title 1"/>
           <p:cNvSpPr>
             <a:spLocks noGrp="1"/>
           </p:cNvSpPr>
@@ -2172,15 +1909,15 @@
         </p:nvSpPr>
         <p:spPr>
           <a:xfrm>
-            <a:off x="839788" y="457200"/>
-            <a:ext cx="3932237" cy="1600200"/>
+            <a:off x="1117093" y="812800"/>
+            <a:ext cx="5230695" cy="2844800"/>
           </a:xfrm>
         </p:spPr>
         <p:txBody>
           <a:bodyPr anchor="b"/>
           <a:lstStyle>
             <a:lvl1pPr>
-              <a:defRPr sz="3200"/>
+              <a:defRPr sz="5676"/>
             </a:lvl1pPr>
           </a:lstStyle>
           <a:p>
@@ -2188,18 +1925,13 @@
               <a:rPr lang="en-US"/>
               <a:t>Click to edit Master title style</a:t>
             </a:r>
-          </a:p>
-        </p:txBody>
-      </p:sp>
-      <p:sp>
-        <p:nvSpPr>
-          <p:cNvPr id="3" name="Content Placeholder 2">
-            <a:extLst>
-              <a:ext uri="{FF2B5EF4-FFF2-40B4-BE49-F238E27FC236}">
-                <a16:creationId xmlns:a16="http://schemas.microsoft.com/office/drawing/2014/main" id="{33D575A9-33B1-47FA-89D1-B17D05086E16}"/>
-              </a:ext>
-            </a:extLst>
-          </p:cNvPr>
+            <a:endParaRPr lang="en-US" dirty="0"/>
+          </a:p>
+        </p:txBody>
+      </p:sp>
+      <p:sp>
+        <p:nvSpPr>
+          <p:cNvPr id="3" name="Content Placeholder 2"/>
           <p:cNvSpPr>
             <a:spLocks noGrp="1"/>
           </p:cNvSpPr>
@@ -2209,39 +1941,39 @@
         </p:nvSpPr>
         <p:spPr>
           <a:xfrm>
-            <a:off x="5183188" y="987425"/>
-            <a:ext cx="6172200" cy="4873625"/>
+            <a:off x="6894720" y="1755425"/>
+            <a:ext cx="8210312" cy="8664222"/>
           </a:xfrm>
         </p:spPr>
         <p:txBody>
           <a:bodyPr/>
           <a:lstStyle>
             <a:lvl1pPr>
-              <a:defRPr sz="3200"/>
+              <a:defRPr sz="5676"/>
             </a:lvl1pPr>
             <a:lvl2pPr>
-              <a:defRPr sz="2800"/>
+              <a:defRPr sz="4966"/>
             </a:lvl2pPr>
             <a:lvl3pPr>
-              <a:defRPr sz="2400"/>
+              <a:defRPr sz="4257"/>
             </a:lvl3pPr>
             <a:lvl4pPr>
-              <a:defRPr sz="2000"/>
+              <a:defRPr sz="3547"/>
             </a:lvl4pPr>
             <a:lvl5pPr>
-              <a:defRPr sz="2000"/>
+              <a:defRPr sz="3547"/>
             </a:lvl5pPr>
             <a:lvl6pPr>
-              <a:defRPr sz="2000"/>
+              <a:defRPr sz="3547"/>
             </a:lvl6pPr>
             <a:lvl7pPr>
-              <a:defRPr sz="2000"/>
+              <a:defRPr sz="3547"/>
             </a:lvl7pPr>
             <a:lvl8pPr>
-              <a:defRPr sz="2000"/>
+              <a:defRPr sz="3547"/>
             </a:lvl8pPr>
             <a:lvl9pPr>
-              <a:defRPr sz="2000"/>
+              <a:defRPr sz="3547"/>
             </a:lvl9pPr>
           </a:lstStyle>
           <a:p>
@@ -2278,18 +2010,13 @@
               <a:rPr lang="en-US"/>
               <a:t>Fifth level</a:t>
             </a:r>
-          </a:p>
-        </p:txBody>
-      </p:sp>
-      <p:sp>
-        <p:nvSpPr>
-          <p:cNvPr id="4" name="Text Placeholder 3">
-            <a:extLst>
-              <a:ext uri="{FF2B5EF4-FFF2-40B4-BE49-F238E27FC236}">
-                <a16:creationId xmlns:a16="http://schemas.microsoft.com/office/drawing/2014/main" id="{52CF3057-E60F-43C2-B89D-B859DF539BBA}"/>
-              </a:ext>
-            </a:extLst>
-          </p:cNvPr>
+            <a:endParaRPr lang="en-US" dirty="0"/>
+          </a:p>
+        </p:txBody>
+      </p:sp>
+      <p:sp>
+        <p:nvSpPr>
+          <p:cNvPr id="4" name="Text Placeholder 3"/>
           <p:cNvSpPr>
             <a:spLocks noGrp="1"/>
           </p:cNvSpPr>
@@ -2299,8 +2026,8 @@
         </p:nvSpPr>
         <p:spPr>
           <a:xfrm>
-            <a:off x="839788" y="2057400"/>
-            <a:ext cx="3932237" cy="3811588"/>
+            <a:off x="1117093" y="3657600"/>
+            <a:ext cx="5230695" cy="6776156"/>
           </a:xfrm>
         </p:spPr>
         <p:txBody>
@@ -2308,39 +2035,39 @@
           <a:lstStyle>
             <a:lvl1pPr marL="0" indent="0">
               <a:buNone/>
-              <a:defRPr sz="1600"/>
+              <a:defRPr sz="2838"/>
             </a:lvl1pPr>
-            <a:lvl2pPr marL="457200" indent="0">
-              <a:buNone/>
-              <a:defRPr sz="1400"/>
+            <a:lvl2pPr marL="810890" indent="0">
+              <a:buNone/>
+              <a:defRPr sz="2483"/>
             </a:lvl2pPr>
-            <a:lvl3pPr marL="914400" indent="0">
-              <a:buNone/>
-              <a:defRPr sz="1200"/>
+            <a:lvl3pPr marL="1621780" indent="0">
+              <a:buNone/>
+              <a:defRPr sz="2128"/>
             </a:lvl3pPr>
-            <a:lvl4pPr marL="1371600" indent="0">
-              <a:buNone/>
-              <a:defRPr sz="1000"/>
+            <a:lvl4pPr marL="2432670" indent="0">
+              <a:buNone/>
+              <a:defRPr sz="1774"/>
             </a:lvl4pPr>
-            <a:lvl5pPr marL="1828800" indent="0">
-              <a:buNone/>
-              <a:defRPr sz="1000"/>
+            <a:lvl5pPr marL="3243560" indent="0">
+              <a:buNone/>
+              <a:defRPr sz="1774"/>
             </a:lvl5pPr>
-            <a:lvl6pPr marL="2286000" indent="0">
-              <a:buNone/>
-              <a:defRPr sz="1000"/>
+            <a:lvl6pPr marL="4054450" indent="0">
+              <a:buNone/>
+              <a:defRPr sz="1774"/>
             </a:lvl6pPr>
-            <a:lvl7pPr marL="2743200" indent="0">
-              <a:buNone/>
-              <a:defRPr sz="1000"/>
+            <a:lvl7pPr marL="4865340" indent="0">
+              <a:buNone/>
+              <a:defRPr sz="1774"/>
             </a:lvl7pPr>
-            <a:lvl8pPr marL="3200400" indent="0">
-              <a:buNone/>
-              <a:defRPr sz="1000"/>
+            <a:lvl8pPr marL="5676229" indent="0">
+              <a:buNone/>
+              <a:defRPr sz="1774"/>
             </a:lvl8pPr>
-            <a:lvl9pPr marL="3657600" indent="0">
-              <a:buNone/>
-              <a:defRPr sz="1000"/>
+            <a:lvl9pPr marL="6487119" indent="0">
+              <a:buNone/>
+              <a:defRPr sz="1774"/>
             </a:lvl9pPr>
           </a:lstStyle>
           <a:p>
@@ -2354,13 +2081,7 @@
       </p:sp>
       <p:sp>
         <p:nvSpPr>
-          <p:cNvPr id="5" name="Date Placeholder 4">
-            <a:extLst>
-              <a:ext uri="{FF2B5EF4-FFF2-40B4-BE49-F238E27FC236}">
-                <a16:creationId xmlns:a16="http://schemas.microsoft.com/office/drawing/2014/main" id="{5CC24A55-1547-47E2-B91D-703112A7C7E9}"/>
-              </a:ext>
-            </a:extLst>
-          </p:cNvPr>
+          <p:cNvPr id="5" name="Date Placeholder 4"/>
           <p:cNvSpPr>
             <a:spLocks noGrp="1"/>
           </p:cNvSpPr>
@@ -2375,7 +2096,7 @@
           <a:p>
             <a:fld id="{310F73C8-F67B-4066-B26E-0A45A1504F83}" type="datetimeFigureOut">
               <a:rPr lang="en-US" smtClean="0"/>
-              <a:t>11/2/2021</a:t>
+              <a:t>3/23/2022</a:t>
             </a:fld>
             <a:endParaRPr lang="en-US"/>
           </a:p>
@@ -2383,13 +2104,7 @@
       </p:sp>
       <p:sp>
         <p:nvSpPr>
-          <p:cNvPr id="6" name="Footer Placeholder 5">
-            <a:extLst>
-              <a:ext uri="{FF2B5EF4-FFF2-40B4-BE49-F238E27FC236}">
-                <a16:creationId xmlns:a16="http://schemas.microsoft.com/office/drawing/2014/main" id="{0D6E3B1B-4223-4A90-A284-25A026E9C79F}"/>
-              </a:ext>
-            </a:extLst>
-          </p:cNvPr>
+          <p:cNvPr id="6" name="Footer Placeholder 5"/>
           <p:cNvSpPr>
             <a:spLocks noGrp="1"/>
           </p:cNvSpPr>
@@ -2408,13 +2123,7 @@
       </p:sp>
       <p:sp>
         <p:nvSpPr>
-          <p:cNvPr id="7" name="Slide Number Placeholder 6">
-            <a:extLst>
-              <a:ext uri="{FF2B5EF4-FFF2-40B4-BE49-F238E27FC236}">
-                <a16:creationId xmlns:a16="http://schemas.microsoft.com/office/drawing/2014/main" id="{FD787233-624C-458B-A948-44996BC104D8}"/>
-              </a:ext>
-            </a:extLst>
-          </p:cNvPr>
+          <p:cNvPr id="7" name="Slide Number Placeholder 6"/>
           <p:cNvSpPr>
             <a:spLocks noGrp="1"/>
           </p:cNvSpPr>
@@ -2438,7 +2147,7 @@
     </p:spTree>
     <p:extLst>
       <p:ext uri="{BB962C8B-B14F-4D97-AF65-F5344CB8AC3E}">
-        <p14:creationId xmlns:p14="http://schemas.microsoft.com/office/powerpoint/2010/main" val="811113281"/>
+        <p14:creationId xmlns:p14="http://schemas.microsoft.com/office/powerpoint/2010/main" val="3896807672"/>
       </p:ext>
     </p:extLst>
   </p:cSld>
@@ -2467,13 +2176,7 @@
       </p:grpSpPr>
       <p:sp>
         <p:nvSpPr>
-          <p:cNvPr id="2" name="Title 1">
-            <a:extLst>
-              <a:ext uri="{FF2B5EF4-FFF2-40B4-BE49-F238E27FC236}">
-                <a16:creationId xmlns:a16="http://schemas.microsoft.com/office/drawing/2014/main" id="{9D06CC4F-4A9C-4026-AB87-50C72A4844CB}"/>
-              </a:ext>
-            </a:extLst>
-          </p:cNvPr>
+          <p:cNvPr id="2" name="Title 1"/>
           <p:cNvSpPr>
             <a:spLocks noGrp="1"/>
           </p:cNvSpPr>
@@ -2483,15 +2186,15 @@
         </p:nvSpPr>
         <p:spPr>
           <a:xfrm>
-            <a:off x="839788" y="457200"/>
-            <a:ext cx="3932237" cy="1600200"/>
+            <a:off x="1117093" y="812800"/>
+            <a:ext cx="5230695" cy="2844800"/>
           </a:xfrm>
         </p:spPr>
         <p:txBody>
           <a:bodyPr anchor="b"/>
           <a:lstStyle>
             <a:lvl1pPr>
-              <a:defRPr sz="3200"/>
+              <a:defRPr sz="5676"/>
             </a:lvl1pPr>
           </a:lstStyle>
           <a:p>
@@ -2499,20 +2202,15 @@
               <a:rPr lang="en-US"/>
               <a:t>Click to edit Master title style</a:t>
             </a:r>
-          </a:p>
-        </p:txBody>
-      </p:sp>
-      <p:sp>
-        <p:nvSpPr>
-          <p:cNvPr id="3" name="Picture Placeholder 2">
-            <a:extLst>
-              <a:ext uri="{FF2B5EF4-FFF2-40B4-BE49-F238E27FC236}">
-                <a16:creationId xmlns:a16="http://schemas.microsoft.com/office/drawing/2014/main" id="{62D4E1C5-AEA0-4E0B-9DC5-4F0712418184}"/>
-              </a:ext>
-            </a:extLst>
-          </p:cNvPr>
-          <p:cNvSpPr>
-            <a:spLocks noGrp="1"/>
+            <a:endParaRPr lang="en-US" dirty="0"/>
+          </a:p>
+        </p:txBody>
+      </p:sp>
+      <p:sp>
+        <p:nvSpPr>
+          <p:cNvPr id="3" name="Picture Placeholder 2"/>
+          <p:cNvSpPr>
+            <a:spLocks noGrp="1" noChangeAspect="1"/>
           </p:cNvSpPr>
           <p:nvPr>
             <p:ph type="pic" idx="1"/>
@@ -2520,64 +2218,62 @@
         </p:nvSpPr>
         <p:spPr>
           <a:xfrm>
-            <a:off x="5183188" y="987425"/>
-            <a:ext cx="6172200" cy="4873625"/>
+            <a:off x="6894720" y="1755425"/>
+            <a:ext cx="8210312" cy="8664222"/>
           </a:xfrm>
         </p:spPr>
         <p:txBody>
-          <a:bodyPr/>
+          <a:bodyPr anchor="t"/>
           <a:lstStyle>
             <a:lvl1pPr marL="0" indent="0">
               <a:buNone/>
-              <a:defRPr sz="3200"/>
+              <a:defRPr sz="5676"/>
             </a:lvl1pPr>
-            <a:lvl2pPr marL="457200" indent="0">
-              <a:buNone/>
-              <a:defRPr sz="2800"/>
+            <a:lvl2pPr marL="810890" indent="0">
+              <a:buNone/>
+              <a:defRPr sz="4966"/>
             </a:lvl2pPr>
-            <a:lvl3pPr marL="914400" indent="0">
-              <a:buNone/>
-              <a:defRPr sz="2400"/>
+            <a:lvl3pPr marL="1621780" indent="0">
+              <a:buNone/>
+              <a:defRPr sz="4257"/>
             </a:lvl3pPr>
-            <a:lvl4pPr marL="1371600" indent="0">
-              <a:buNone/>
-              <a:defRPr sz="2000"/>
+            <a:lvl4pPr marL="2432670" indent="0">
+              <a:buNone/>
+              <a:defRPr sz="3547"/>
             </a:lvl4pPr>
-            <a:lvl5pPr marL="1828800" indent="0">
-              <a:buNone/>
-              <a:defRPr sz="2000"/>
+            <a:lvl5pPr marL="3243560" indent="0">
+              <a:buNone/>
+              <a:defRPr sz="3547"/>
             </a:lvl5pPr>
-            <a:lvl6pPr marL="2286000" indent="0">
-              <a:buNone/>
-              <a:defRPr sz="2000"/>
+            <a:lvl6pPr marL="4054450" indent="0">
+              <a:buNone/>
+              <a:defRPr sz="3547"/>
             </a:lvl6pPr>
-            <a:lvl7pPr marL="2743200" indent="0">
-              <a:buNone/>
-              <a:defRPr sz="2000"/>
+            <a:lvl7pPr marL="4865340" indent="0">
+              <a:buNone/>
+              <a:defRPr sz="3547"/>
             </a:lvl7pPr>
-            <a:lvl8pPr marL="3200400" indent="0">
-              <a:buNone/>
-              <a:defRPr sz="2000"/>
+            <a:lvl8pPr marL="5676229" indent="0">
+              <a:buNone/>
+              <a:defRPr sz="3547"/>
             </a:lvl8pPr>
-            <a:lvl9pPr marL="3657600" indent="0">
-              <a:buNone/>
-              <a:defRPr sz="2000"/>
+            <a:lvl9pPr marL="6487119" indent="0">
+              <a:buNone/>
+              <a:defRPr sz="3547"/>
             </a:lvl9pPr>
           </a:lstStyle>
           <a:p>
-            <a:endParaRPr lang="en-US"/>
-          </a:p>
-        </p:txBody>
-      </p:sp>
-      <p:sp>
-        <p:nvSpPr>
-          <p:cNvPr id="4" name="Text Placeholder 3">
-            <a:extLst>
-              <a:ext uri="{FF2B5EF4-FFF2-40B4-BE49-F238E27FC236}">
-                <a16:creationId xmlns:a16="http://schemas.microsoft.com/office/drawing/2014/main" id="{43FC5110-C0DC-4490-AC93-498FE5AAFC05}"/>
-              </a:ext>
-            </a:extLst>
-          </p:cNvPr>
+            <a:r>
+              <a:rPr lang="en-US"/>
+              <a:t>Click icon to add picture</a:t>
+            </a:r>
+            <a:endParaRPr lang="en-US" dirty="0"/>
+          </a:p>
+        </p:txBody>
+      </p:sp>
+      <p:sp>
+        <p:nvSpPr>
+          <p:cNvPr id="4" name="Text Placeholder 3"/>
           <p:cNvSpPr>
             <a:spLocks noGrp="1"/>
           </p:cNvSpPr>
@@ -2587,8 +2283,8 @@
         </p:nvSpPr>
         <p:spPr>
           <a:xfrm>
-            <a:off x="839788" y="2057400"/>
-            <a:ext cx="3932237" cy="3811588"/>
+            <a:off x="1117093" y="3657600"/>
+            <a:ext cx="5230695" cy="6776156"/>
           </a:xfrm>
         </p:spPr>
         <p:txBody>
@@ -2596,39 +2292,39 @@
           <a:lstStyle>
             <a:lvl1pPr marL="0" indent="0">
               <a:buNone/>
-              <a:defRPr sz="1600"/>
+              <a:defRPr sz="2838"/>
             </a:lvl1pPr>
-            <a:lvl2pPr marL="457200" indent="0">
-              <a:buNone/>
-              <a:defRPr sz="1400"/>
+            <a:lvl2pPr marL="810890" indent="0">
+              <a:buNone/>
+              <a:defRPr sz="2483"/>
             </a:lvl2pPr>
-            <a:lvl3pPr marL="914400" indent="0">
-              <a:buNone/>
-              <a:defRPr sz="1200"/>
+            <a:lvl3pPr marL="1621780" indent="0">
+              <a:buNone/>
+              <a:defRPr sz="2128"/>
             </a:lvl3pPr>
-            <a:lvl4pPr marL="1371600" indent="0">
-              <a:buNone/>
-              <a:defRPr sz="1000"/>
+            <a:lvl4pPr marL="2432670" indent="0">
+              <a:buNone/>
+              <a:defRPr sz="1774"/>
             </a:lvl4pPr>
-            <a:lvl5pPr marL="1828800" indent="0">
-              <a:buNone/>
-              <a:defRPr sz="1000"/>
+            <a:lvl5pPr marL="3243560" indent="0">
+              <a:buNone/>
+              <a:defRPr sz="1774"/>
             </a:lvl5pPr>
-            <a:lvl6pPr marL="2286000" indent="0">
-              <a:buNone/>
-              <a:defRPr sz="1000"/>
+            <a:lvl6pPr marL="4054450" indent="0">
+              <a:buNone/>
+              <a:defRPr sz="1774"/>
             </a:lvl6pPr>
-            <a:lvl7pPr marL="2743200" indent="0">
-              <a:buNone/>
-              <a:defRPr sz="1000"/>
+            <a:lvl7pPr marL="4865340" indent="0">
+              <a:buNone/>
+              <a:defRPr sz="1774"/>
             </a:lvl7pPr>
-            <a:lvl8pPr marL="3200400" indent="0">
-              <a:buNone/>
-              <a:defRPr sz="1000"/>
+            <a:lvl8pPr marL="5676229" indent="0">
+              <a:buNone/>
+              <a:defRPr sz="1774"/>
             </a:lvl8pPr>
-            <a:lvl9pPr marL="3657600" indent="0">
-              <a:buNone/>
-              <a:defRPr sz="1000"/>
+            <a:lvl9pPr marL="6487119" indent="0">
+              <a:buNone/>
+              <a:defRPr sz="1774"/>
             </a:lvl9pPr>
           </a:lstStyle>
           <a:p>
@@ -2642,13 +2338,7 @@
       </p:sp>
       <p:sp>
         <p:nvSpPr>
-          <p:cNvPr id="5" name="Date Placeholder 4">
-            <a:extLst>
-              <a:ext uri="{FF2B5EF4-FFF2-40B4-BE49-F238E27FC236}">
-                <a16:creationId xmlns:a16="http://schemas.microsoft.com/office/drawing/2014/main" id="{F449AB5A-C9C2-415E-AA61-03E2C5E121B2}"/>
-              </a:ext>
-            </a:extLst>
-          </p:cNvPr>
+          <p:cNvPr id="5" name="Date Placeholder 4"/>
           <p:cNvSpPr>
             <a:spLocks noGrp="1"/>
           </p:cNvSpPr>
@@ -2663,7 +2353,7 @@
           <a:p>
             <a:fld id="{310F73C8-F67B-4066-B26E-0A45A1504F83}" type="datetimeFigureOut">
               <a:rPr lang="en-US" smtClean="0"/>
-              <a:t>11/2/2021</a:t>
+              <a:t>3/23/2022</a:t>
             </a:fld>
             <a:endParaRPr lang="en-US"/>
           </a:p>
@@ -2671,13 +2361,7 @@
       </p:sp>
       <p:sp>
         <p:nvSpPr>
-          <p:cNvPr id="6" name="Footer Placeholder 5">
-            <a:extLst>
-              <a:ext uri="{FF2B5EF4-FFF2-40B4-BE49-F238E27FC236}">
-                <a16:creationId xmlns:a16="http://schemas.microsoft.com/office/drawing/2014/main" id="{435EFB79-FEAD-46A3-A0C4-C3DD84520E26}"/>
-              </a:ext>
-            </a:extLst>
-          </p:cNvPr>
+          <p:cNvPr id="6" name="Footer Placeholder 5"/>
           <p:cNvSpPr>
             <a:spLocks noGrp="1"/>
           </p:cNvSpPr>
@@ -2696,13 +2380,7 @@
       </p:sp>
       <p:sp>
         <p:nvSpPr>
-          <p:cNvPr id="7" name="Slide Number Placeholder 6">
-            <a:extLst>
-              <a:ext uri="{FF2B5EF4-FFF2-40B4-BE49-F238E27FC236}">
-                <a16:creationId xmlns:a16="http://schemas.microsoft.com/office/drawing/2014/main" id="{5835291E-CF51-41DB-B7E6-EA120823350C}"/>
-              </a:ext>
-            </a:extLst>
-          </p:cNvPr>
+          <p:cNvPr id="7" name="Slide Number Placeholder 6"/>
           <p:cNvSpPr>
             <a:spLocks noGrp="1"/>
           </p:cNvSpPr>
@@ -2726,7 +2404,7 @@
     </p:spTree>
     <p:extLst>
       <p:ext uri="{BB962C8B-B14F-4D97-AF65-F5344CB8AC3E}">
-        <p14:creationId xmlns:p14="http://schemas.microsoft.com/office/powerpoint/2010/main" val="1717308578"/>
+        <p14:creationId xmlns:p14="http://schemas.microsoft.com/office/powerpoint/2010/main" val="1544152188"/>
       </p:ext>
     </p:extLst>
   </p:cSld>
@@ -2760,13 +2438,7 @@
       </p:grpSpPr>
       <p:sp>
         <p:nvSpPr>
-          <p:cNvPr id="2" name="Title Placeholder 1">
-            <a:extLst>
-              <a:ext uri="{FF2B5EF4-FFF2-40B4-BE49-F238E27FC236}">
-                <a16:creationId xmlns:a16="http://schemas.microsoft.com/office/drawing/2014/main" id="{BC88521B-3836-4354-A189-6763DD2DDDF7}"/>
-              </a:ext>
-            </a:extLst>
-          </p:cNvPr>
+          <p:cNvPr id="2" name="Title Placeholder 1"/>
           <p:cNvSpPr>
             <a:spLocks noGrp="1"/>
           </p:cNvSpPr>
@@ -2776,8 +2448,8 @@
         </p:nvSpPr>
         <p:spPr>
           <a:xfrm>
-            <a:off x="838200" y="365125"/>
-            <a:ext cx="10515600" cy="1325563"/>
+            <a:off x="1114981" y="649114"/>
+            <a:ext cx="13987939" cy="2356556"/>
           </a:xfrm>
           <a:prstGeom prst="rect">
             <a:avLst/>
@@ -2793,18 +2465,13 @@
               <a:rPr lang="en-US"/>
               <a:t>Click to edit Master title style</a:t>
             </a:r>
-          </a:p>
-        </p:txBody>
-      </p:sp>
-      <p:sp>
-        <p:nvSpPr>
-          <p:cNvPr id="3" name="Text Placeholder 2">
-            <a:extLst>
-              <a:ext uri="{FF2B5EF4-FFF2-40B4-BE49-F238E27FC236}">
-                <a16:creationId xmlns:a16="http://schemas.microsoft.com/office/drawing/2014/main" id="{D340E19F-DE6C-4FD3-8366-75ACBBF967C6}"/>
-              </a:ext>
-            </a:extLst>
-          </p:cNvPr>
+            <a:endParaRPr lang="en-US" dirty="0"/>
+          </a:p>
+        </p:txBody>
+      </p:sp>
+      <p:sp>
+        <p:nvSpPr>
+          <p:cNvPr id="3" name="Text Placeholder 2"/>
           <p:cNvSpPr>
             <a:spLocks noGrp="1"/>
           </p:cNvSpPr>
@@ -2814,8 +2481,8 @@
         </p:nvSpPr>
         <p:spPr>
           <a:xfrm>
-            <a:off x="838200" y="1825625"/>
-            <a:ext cx="10515600" cy="4351338"/>
+            <a:off x="1114981" y="3245556"/>
+            <a:ext cx="13987939" cy="7735712"/>
           </a:xfrm>
           <a:prstGeom prst="rect">
             <a:avLst/>
@@ -2860,18 +2527,13 @@
               <a:rPr lang="en-US"/>
               <a:t>Fifth level</a:t>
             </a:r>
-          </a:p>
-        </p:txBody>
-      </p:sp>
-      <p:sp>
-        <p:nvSpPr>
-          <p:cNvPr id="4" name="Date Placeholder 3">
-            <a:extLst>
-              <a:ext uri="{FF2B5EF4-FFF2-40B4-BE49-F238E27FC236}">
-                <a16:creationId xmlns:a16="http://schemas.microsoft.com/office/drawing/2014/main" id="{15D1C07C-D6B5-44B4-A491-CCF1281D69B7}"/>
-              </a:ext>
-            </a:extLst>
-          </p:cNvPr>
+            <a:endParaRPr lang="en-US" dirty="0"/>
+          </a:p>
+        </p:txBody>
+      </p:sp>
+      <p:sp>
+        <p:nvSpPr>
+          <p:cNvPr id="4" name="Date Placeholder 3"/>
           <p:cNvSpPr>
             <a:spLocks noGrp="1"/>
           </p:cNvSpPr>
@@ -2881,8 +2543,8 @@
         </p:nvSpPr>
         <p:spPr>
           <a:xfrm>
-            <a:off x="838200" y="6356350"/>
-            <a:ext cx="2743200" cy="365125"/>
+            <a:off x="1114980" y="11300181"/>
+            <a:ext cx="3649028" cy="649111"/>
           </a:xfrm>
           <a:prstGeom prst="rect">
             <a:avLst/>
@@ -2892,7 +2554,7 @@
           <a:bodyPr vert="horz" lIns="91440" tIns="45720" rIns="91440" bIns="45720" rtlCol="0" anchor="ctr"/>
           <a:lstStyle>
             <a:lvl1pPr algn="l">
-              <a:defRPr sz="1200">
+              <a:defRPr sz="2128">
                 <a:solidFill>
                   <a:schemeClr val="tx1">
                     <a:tint val="75000"/>
@@ -2904,7 +2566,7 @@
           <a:p>
             <a:fld id="{310F73C8-F67B-4066-B26E-0A45A1504F83}" type="datetimeFigureOut">
               <a:rPr lang="en-US" smtClean="0"/>
-              <a:t>11/2/2021</a:t>
+              <a:t>3/23/2022</a:t>
             </a:fld>
             <a:endParaRPr lang="en-US"/>
           </a:p>
@@ -2912,13 +2574,7 @@
       </p:sp>
       <p:sp>
         <p:nvSpPr>
-          <p:cNvPr id="5" name="Footer Placeholder 4">
-            <a:extLst>
-              <a:ext uri="{FF2B5EF4-FFF2-40B4-BE49-F238E27FC236}">
-                <a16:creationId xmlns:a16="http://schemas.microsoft.com/office/drawing/2014/main" id="{0D06245B-049F-4501-9CFB-F333F6CE02B2}"/>
-              </a:ext>
-            </a:extLst>
-          </p:cNvPr>
+          <p:cNvPr id="5" name="Footer Placeholder 4"/>
           <p:cNvSpPr>
             <a:spLocks noGrp="1"/>
           </p:cNvSpPr>
@@ -2928,8 +2584,8 @@
         </p:nvSpPr>
         <p:spPr>
           <a:xfrm>
-            <a:off x="4038600" y="6356350"/>
-            <a:ext cx="4114800" cy="365125"/>
+            <a:off x="5372180" y="11300181"/>
+            <a:ext cx="5473541" cy="649111"/>
           </a:xfrm>
           <a:prstGeom prst="rect">
             <a:avLst/>
@@ -2939,7 +2595,7 @@
           <a:bodyPr vert="horz" lIns="91440" tIns="45720" rIns="91440" bIns="45720" rtlCol="0" anchor="ctr"/>
           <a:lstStyle>
             <a:lvl1pPr algn="ctr">
-              <a:defRPr sz="1200">
+              <a:defRPr sz="2128">
                 <a:solidFill>
                   <a:schemeClr val="tx1">
                     <a:tint val="75000"/>
@@ -2955,13 +2611,7 @@
       </p:sp>
       <p:sp>
         <p:nvSpPr>
-          <p:cNvPr id="6" name="Slide Number Placeholder 5">
-            <a:extLst>
-              <a:ext uri="{FF2B5EF4-FFF2-40B4-BE49-F238E27FC236}">
-                <a16:creationId xmlns:a16="http://schemas.microsoft.com/office/drawing/2014/main" id="{DAF00CC0-A152-4801-A23B-0CCC7D79A80C}"/>
-              </a:ext>
-            </a:extLst>
-          </p:cNvPr>
+          <p:cNvPr id="6" name="Slide Number Placeholder 5"/>
           <p:cNvSpPr>
             <a:spLocks noGrp="1"/>
           </p:cNvSpPr>
@@ -2971,8 +2621,8 @@
         </p:nvSpPr>
         <p:spPr>
           <a:xfrm>
-            <a:off x="8610600" y="6356350"/>
-            <a:ext cx="2743200" cy="365125"/>
+            <a:off x="11453892" y="11300181"/>
+            <a:ext cx="3649028" cy="649111"/>
           </a:xfrm>
           <a:prstGeom prst="rect">
             <a:avLst/>
@@ -2982,7 +2632,7 @@
           <a:bodyPr vert="horz" lIns="91440" tIns="45720" rIns="91440" bIns="45720" rtlCol="0" anchor="ctr"/>
           <a:lstStyle>
             <a:lvl1pPr algn="r">
-              <a:defRPr sz="1200">
+              <a:defRPr sz="2128">
                 <a:solidFill>
                   <a:schemeClr val="tx1">
                     <a:tint val="75000"/>
@@ -3003,27 +2653,27 @@
     </p:spTree>
     <p:extLst>
       <p:ext uri="{BB962C8B-B14F-4D97-AF65-F5344CB8AC3E}">
-        <p14:creationId xmlns:p14="http://schemas.microsoft.com/office/powerpoint/2010/main" val="361252564"/>
+        <p14:creationId xmlns:p14="http://schemas.microsoft.com/office/powerpoint/2010/main" val="1614747238"/>
       </p:ext>
     </p:extLst>
   </p:cSld>
   <p:clrMap bg1="lt1" tx1="dk1" bg2="lt2" tx2="dk2" accent1="accent1" accent2="accent2" accent3="accent3" accent4="accent4" accent5="accent5" accent6="accent6" hlink="hlink" folHlink="folHlink"/>
   <p:sldLayoutIdLst>
-    <p:sldLayoutId id="2147483649" r:id="rId1"/>
-    <p:sldLayoutId id="2147483650" r:id="rId2"/>
-    <p:sldLayoutId id="2147483651" r:id="rId3"/>
-    <p:sldLayoutId id="2147483652" r:id="rId4"/>
-    <p:sldLayoutId id="2147483653" r:id="rId5"/>
-    <p:sldLayoutId id="2147483654" r:id="rId6"/>
-    <p:sldLayoutId id="2147483655" r:id="rId7"/>
-    <p:sldLayoutId id="2147483656" r:id="rId8"/>
-    <p:sldLayoutId id="2147483657" r:id="rId9"/>
-    <p:sldLayoutId id="2147483658" r:id="rId10"/>
-    <p:sldLayoutId id="2147483659" r:id="rId11"/>
+    <p:sldLayoutId id="2147483697" r:id="rId1"/>
+    <p:sldLayoutId id="2147483698" r:id="rId2"/>
+    <p:sldLayoutId id="2147483699" r:id="rId3"/>
+    <p:sldLayoutId id="2147483700" r:id="rId4"/>
+    <p:sldLayoutId id="2147483701" r:id="rId5"/>
+    <p:sldLayoutId id="2147483702" r:id="rId6"/>
+    <p:sldLayoutId id="2147483703" r:id="rId7"/>
+    <p:sldLayoutId id="2147483704" r:id="rId8"/>
+    <p:sldLayoutId id="2147483705" r:id="rId9"/>
+    <p:sldLayoutId id="2147483706" r:id="rId10"/>
+    <p:sldLayoutId id="2147483707" r:id="rId11"/>
   </p:sldLayoutIdLst>
   <p:txStyles>
     <p:titleStyle>
-      <a:lvl1pPr algn="l" defTabSz="914400" rtl="0" eaLnBrk="1" latinLnBrk="0" hangingPunct="1">
+      <a:lvl1pPr algn="l" defTabSz="1621780" rtl="0" eaLnBrk="1" latinLnBrk="0" hangingPunct="1">
         <a:lnSpc>
           <a:spcPct val="90000"/>
         </a:lnSpc>
@@ -3031,7 +2681,7 @@
           <a:spcPct val="0"/>
         </a:spcBef>
         <a:buNone/>
-        <a:defRPr sz="4400" kern="1200">
+        <a:defRPr sz="7804" kern="1200">
           <a:solidFill>
             <a:schemeClr val="tx1"/>
           </a:solidFill>
@@ -3042,16 +2692,16 @@
       </a:lvl1pPr>
     </p:titleStyle>
     <p:bodyStyle>
-      <a:lvl1pPr marL="228600" indent="-228600" algn="l" defTabSz="914400" rtl="0" eaLnBrk="1" latinLnBrk="0" hangingPunct="1">
+      <a:lvl1pPr marL="405445" indent="-405445" algn="l" defTabSz="1621780" rtl="0" eaLnBrk="1" latinLnBrk="0" hangingPunct="1">
         <a:lnSpc>
           <a:spcPct val="90000"/>
         </a:lnSpc>
         <a:spcBef>
-          <a:spcPts val="1000"/>
+          <a:spcPts val="1774"/>
         </a:spcBef>
         <a:buFont typeface="Arial" panose="020B0604020202020204" pitchFamily="34" charset="0"/>
         <a:buChar char="•"/>
-        <a:defRPr sz="2800" kern="1200">
+        <a:defRPr sz="4966" kern="1200">
           <a:solidFill>
             <a:schemeClr val="tx1"/>
           </a:solidFill>
@@ -3060,16 +2710,16 @@
           <a:cs typeface="+mn-cs"/>
         </a:defRPr>
       </a:lvl1pPr>
-      <a:lvl2pPr marL="685800" indent="-228600" algn="l" defTabSz="914400" rtl="0" eaLnBrk="1" latinLnBrk="0" hangingPunct="1">
+      <a:lvl2pPr marL="1216335" indent="-405445" algn="l" defTabSz="1621780" rtl="0" eaLnBrk="1" latinLnBrk="0" hangingPunct="1">
         <a:lnSpc>
           <a:spcPct val="90000"/>
         </a:lnSpc>
         <a:spcBef>
-          <a:spcPts val="500"/>
+          <a:spcPts val="887"/>
         </a:spcBef>
         <a:buFont typeface="Arial" panose="020B0604020202020204" pitchFamily="34" charset="0"/>
         <a:buChar char="•"/>
-        <a:defRPr sz="2400" kern="1200">
+        <a:defRPr sz="4257" kern="1200">
           <a:solidFill>
             <a:schemeClr val="tx1"/>
           </a:solidFill>
@@ -3078,16 +2728,16 @@
           <a:cs typeface="+mn-cs"/>
         </a:defRPr>
       </a:lvl2pPr>
-      <a:lvl3pPr marL="1143000" indent="-228600" algn="l" defTabSz="914400" rtl="0" eaLnBrk="1" latinLnBrk="0" hangingPunct="1">
+      <a:lvl3pPr marL="2027225" indent="-405445" algn="l" defTabSz="1621780" rtl="0" eaLnBrk="1" latinLnBrk="0" hangingPunct="1">
         <a:lnSpc>
           <a:spcPct val="90000"/>
         </a:lnSpc>
         <a:spcBef>
-          <a:spcPts val="500"/>
+          <a:spcPts val="887"/>
         </a:spcBef>
         <a:buFont typeface="Arial" panose="020B0604020202020204" pitchFamily="34" charset="0"/>
         <a:buChar char="•"/>
-        <a:defRPr sz="2000" kern="1200">
+        <a:defRPr sz="3547" kern="1200">
           <a:solidFill>
             <a:schemeClr val="tx1"/>
           </a:solidFill>
@@ -3096,16 +2746,16 @@
           <a:cs typeface="+mn-cs"/>
         </a:defRPr>
       </a:lvl3pPr>
-      <a:lvl4pPr marL="1600200" indent="-228600" algn="l" defTabSz="914400" rtl="0" eaLnBrk="1" latinLnBrk="0" hangingPunct="1">
+      <a:lvl4pPr marL="2838115" indent="-405445" algn="l" defTabSz="1621780" rtl="0" eaLnBrk="1" latinLnBrk="0" hangingPunct="1">
         <a:lnSpc>
           <a:spcPct val="90000"/>
         </a:lnSpc>
         <a:spcBef>
-          <a:spcPts val="500"/>
+          <a:spcPts val="887"/>
         </a:spcBef>
         <a:buFont typeface="Arial" panose="020B0604020202020204" pitchFamily="34" charset="0"/>
         <a:buChar char="•"/>
-        <a:defRPr sz="1800" kern="1200">
+        <a:defRPr sz="3192" kern="1200">
           <a:solidFill>
             <a:schemeClr val="tx1"/>
           </a:solidFill>
@@ -3114,16 +2764,16 @@
           <a:cs typeface="+mn-cs"/>
         </a:defRPr>
       </a:lvl4pPr>
-      <a:lvl5pPr marL="2057400" indent="-228600" algn="l" defTabSz="914400" rtl="0" eaLnBrk="1" latinLnBrk="0" hangingPunct="1">
+      <a:lvl5pPr marL="3649005" indent="-405445" algn="l" defTabSz="1621780" rtl="0" eaLnBrk="1" latinLnBrk="0" hangingPunct="1">
         <a:lnSpc>
           <a:spcPct val="90000"/>
         </a:lnSpc>
         <a:spcBef>
-          <a:spcPts val="500"/>
+          <a:spcPts val="887"/>
         </a:spcBef>
         <a:buFont typeface="Arial" panose="020B0604020202020204" pitchFamily="34" charset="0"/>
         <a:buChar char="•"/>
-        <a:defRPr sz="1800" kern="1200">
+        <a:defRPr sz="3192" kern="1200">
           <a:solidFill>
             <a:schemeClr val="tx1"/>
           </a:solidFill>
@@ -3132,16 +2782,16 @@
           <a:cs typeface="+mn-cs"/>
         </a:defRPr>
       </a:lvl5pPr>
-      <a:lvl6pPr marL="2514600" indent="-228600" algn="l" defTabSz="914400" rtl="0" eaLnBrk="1" latinLnBrk="0" hangingPunct="1">
+      <a:lvl6pPr marL="4459895" indent="-405445" algn="l" defTabSz="1621780" rtl="0" eaLnBrk="1" latinLnBrk="0" hangingPunct="1">
         <a:lnSpc>
           <a:spcPct val="90000"/>
         </a:lnSpc>
         <a:spcBef>
-          <a:spcPts val="500"/>
+          <a:spcPts val="887"/>
         </a:spcBef>
         <a:buFont typeface="Arial" panose="020B0604020202020204" pitchFamily="34" charset="0"/>
         <a:buChar char="•"/>
-        <a:defRPr sz="1800" kern="1200">
+        <a:defRPr sz="3192" kern="1200">
           <a:solidFill>
             <a:schemeClr val="tx1"/>
           </a:solidFill>
@@ -3150,16 +2800,16 @@
           <a:cs typeface="+mn-cs"/>
         </a:defRPr>
       </a:lvl6pPr>
-      <a:lvl7pPr marL="2971800" indent="-228600" algn="l" defTabSz="914400" rtl="0" eaLnBrk="1" latinLnBrk="0" hangingPunct="1">
+      <a:lvl7pPr marL="5270784" indent="-405445" algn="l" defTabSz="1621780" rtl="0" eaLnBrk="1" latinLnBrk="0" hangingPunct="1">
         <a:lnSpc>
           <a:spcPct val="90000"/>
         </a:lnSpc>
         <a:spcBef>
-          <a:spcPts val="500"/>
+          <a:spcPts val="887"/>
         </a:spcBef>
         <a:buFont typeface="Arial" panose="020B0604020202020204" pitchFamily="34" charset="0"/>
         <a:buChar char="•"/>
-        <a:defRPr sz="1800" kern="1200">
+        <a:defRPr sz="3192" kern="1200">
           <a:solidFill>
             <a:schemeClr val="tx1"/>
           </a:solidFill>
@@ -3168,16 +2818,16 @@
           <a:cs typeface="+mn-cs"/>
         </a:defRPr>
       </a:lvl7pPr>
-      <a:lvl8pPr marL="3429000" indent="-228600" algn="l" defTabSz="914400" rtl="0" eaLnBrk="1" latinLnBrk="0" hangingPunct="1">
+      <a:lvl8pPr marL="6081674" indent="-405445" algn="l" defTabSz="1621780" rtl="0" eaLnBrk="1" latinLnBrk="0" hangingPunct="1">
         <a:lnSpc>
           <a:spcPct val="90000"/>
         </a:lnSpc>
         <a:spcBef>
-          <a:spcPts val="500"/>
+          <a:spcPts val="887"/>
         </a:spcBef>
         <a:buFont typeface="Arial" panose="020B0604020202020204" pitchFamily="34" charset="0"/>
         <a:buChar char="•"/>
-        <a:defRPr sz="1800" kern="1200">
+        <a:defRPr sz="3192" kern="1200">
           <a:solidFill>
             <a:schemeClr val="tx1"/>
           </a:solidFill>
@@ -3186,16 +2836,16 @@
           <a:cs typeface="+mn-cs"/>
         </a:defRPr>
       </a:lvl8pPr>
-      <a:lvl9pPr marL="3886200" indent="-228600" algn="l" defTabSz="914400" rtl="0" eaLnBrk="1" latinLnBrk="0" hangingPunct="1">
+      <a:lvl9pPr marL="6892564" indent="-405445" algn="l" defTabSz="1621780" rtl="0" eaLnBrk="1" latinLnBrk="0" hangingPunct="1">
         <a:lnSpc>
           <a:spcPct val="90000"/>
         </a:lnSpc>
         <a:spcBef>
-          <a:spcPts val="500"/>
+          <a:spcPts val="887"/>
         </a:spcBef>
         <a:buFont typeface="Arial" panose="020B0604020202020204" pitchFamily="34" charset="0"/>
         <a:buChar char="•"/>
-        <a:defRPr sz="1800" kern="1200">
+        <a:defRPr sz="3192" kern="1200">
           <a:solidFill>
             <a:schemeClr val="tx1"/>
           </a:solidFill>
@@ -3209,8 +2859,8 @@
       <a:defPPr>
         <a:defRPr lang="en-US"/>
       </a:defPPr>
-      <a:lvl1pPr marL="0" algn="l" defTabSz="914400" rtl="0" eaLnBrk="1" latinLnBrk="0" hangingPunct="1">
-        <a:defRPr sz="1800" kern="1200">
+      <a:lvl1pPr marL="0" algn="l" defTabSz="1621780" rtl="0" eaLnBrk="1" latinLnBrk="0" hangingPunct="1">
+        <a:defRPr sz="3192" kern="1200">
           <a:solidFill>
             <a:schemeClr val="tx1"/>
           </a:solidFill>
@@ -3219,8 +2869,8 @@
           <a:cs typeface="+mn-cs"/>
         </a:defRPr>
       </a:lvl1pPr>
-      <a:lvl2pPr marL="457200" algn="l" defTabSz="914400" rtl="0" eaLnBrk="1" latinLnBrk="0" hangingPunct="1">
-        <a:defRPr sz="1800" kern="1200">
+      <a:lvl2pPr marL="810890" algn="l" defTabSz="1621780" rtl="0" eaLnBrk="1" latinLnBrk="0" hangingPunct="1">
+        <a:defRPr sz="3192" kern="1200">
           <a:solidFill>
             <a:schemeClr val="tx1"/>
           </a:solidFill>
@@ -3229,8 +2879,8 @@
           <a:cs typeface="+mn-cs"/>
         </a:defRPr>
       </a:lvl2pPr>
-      <a:lvl3pPr marL="914400" algn="l" defTabSz="914400" rtl="0" eaLnBrk="1" latinLnBrk="0" hangingPunct="1">
-        <a:defRPr sz="1800" kern="1200">
+      <a:lvl3pPr marL="1621780" algn="l" defTabSz="1621780" rtl="0" eaLnBrk="1" latinLnBrk="0" hangingPunct="1">
+        <a:defRPr sz="3192" kern="1200">
           <a:solidFill>
             <a:schemeClr val="tx1"/>
           </a:solidFill>
@@ -3239,8 +2889,8 @@
           <a:cs typeface="+mn-cs"/>
         </a:defRPr>
       </a:lvl3pPr>
-      <a:lvl4pPr marL="1371600" algn="l" defTabSz="914400" rtl="0" eaLnBrk="1" latinLnBrk="0" hangingPunct="1">
-        <a:defRPr sz="1800" kern="1200">
+      <a:lvl4pPr marL="2432670" algn="l" defTabSz="1621780" rtl="0" eaLnBrk="1" latinLnBrk="0" hangingPunct="1">
+        <a:defRPr sz="3192" kern="1200">
           <a:solidFill>
             <a:schemeClr val="tx1"/>
           </a:solidFill>
@@ -3249,8 +2899,8 @@
           <a:cs typeface="+mn-cs"/>
         </a:defRPr>
       </a:lvl4pPr>
-      <a:lvl5pPr marL="1828800" algn="l" defTabSz="914400" rtl="0" eaLnBrk="1" latinLnBrk="0" hangingPunct="1">
-        <a:defRPr sz="1800" kern="1200">
+      <a:lvl5pPr marL="3243560" algn="l" defTabSz="1621780" rtl="0" eaLnBrk="1" latinLnBrk="0" hangingPunct="1">
+        <a:defRPr sz="3192" kern="1200">
           <a:solidFill>
             <a:schemeClr val="tx1"/>
           </a:solidFill>
@@ -3259,8 +2909,8 @@
           <a:cs typeface="+mn-cs"/>
         </a:defRPr>
       </a:lvl5pPr>
-      <a:lvl6pPr marL="2286000" algn="l" defTabSz="914400" rtl="0" eaLnBrk="1" latinLnBrk="0" hangingPunct="1">
-        <a:defRPr sz="1800" kern="1200">
+      <a:lvl6pPr marL="4054450" algn="l" defTabSz="1621780" rtl="0" eaLnBrk="1" latinLnBrk="0" hangingPunct="1">
+        <a:defRPr sz="3192" kern="1200">
           <a:solidFill>
             <a:schemeClr val="tx1"/>
           </a:solidFill>
@@ -3269,8 +2919,8 @@
           <a:cs typeface="+mn-cs"/>
         </a:defRPr>
       </a:lvl6pPr>
-      <a:lvl7pPr marL="2743200" algn="l" defTabSz="914400" rtl="0" eaLnBrk="1" latinLnBrk="0" hangingPunct="1">
-        <a:defRPr sz="1800" kern="1200">
+      <a:lvl7pPr marL="4865340" algn="l" defTabSz="1621780" rtl="0" eaLnBrk="1" latinLnBrk="0" hangingPunct="1">
+        <a:defRPr sz="3192" kern="1200">
           <a:solidFill>
             <a:schemeClr val="tx1"/>
           </a:solidFill>
@@ -3279,8 +2929,8 @@
           <a:cs typeface="+mn-cs"/>
         </a:defRPr>
       </a:lvl7pPr>
-      <a:lvl8pPr marL="3200400" algn="l" defTabSz="914400" rtl="0" eaLnBrk="1" latinLnBrk="0" hangingPunct="1">
-        <a:defRPr sz="1800" kern="1200">
+      <a:lvl8pPr marL="5676229" algn="l" defTabSz="1621780" rtl="0" eaLnBrk="1" latinLnBrk="0" hangingPunct="1">
+        <a:defRPr sz="3192" kern="1200">
           <a:solidFill>
             <a:schemeClr val="tx1"/>
           </a:solidFill>
@@ -3289,8 +2939,8 @@
           <a:cs typeface="+mn-cs"/>
         </a:defRPr>
       </a:lvl8pPr>
-      <a:lvl9pPr marL="3657600" algn="l" defTabSz="914400" rtl="0" eaLnBrk="1" latinLnBrk="0" hangingPunct="1">
-        <a:defRPr sz="1800" kern="1200">
+      <a:lvl9pPr marL="6487119" algn="l" defTabSz="1621780" rtl="0" eaLnBrk="1" latinLnBrk="0" hangingPunct="1">
+        <a:defRPr sz="3192" kern="1200">
           <a:solidFill>
             <a:schemeClr val="tx1"/>
           </a:solidFill>
@@ -3342,8 +2992,8 @@
         </p:blipFill>
         <p:spPr>
           <a:xfrm>
-            <a:off x="302003" y="378088"/>
-            <a:ext cx="8633471" cy="1291322"/>
+            <a:off x="437412" y="655836"/>
+            <a:ext cx="15348391" cy="2295685"/>
           </a:xfrm>
           <a:prstGeom prst="rect">
             <a:avLst/>
@@ -3371,8 +3021,8 @@
         </p:blipFill>
         <p:spPr>
           <a:xfrm>
-            <a:off x="2737687" y="2446895"/>
-            <a:ext cx="3506599" cy="4343993"/>
+            <a:off x="5175732" y="4333709"/>
+            <a:ext cx="6233954" cy="7722654"/>
           </a:xfrm>
           <a:prstGeom prst="rect">
             <a:avLst/>
@@ -3393,8 +3043,8 @@
         </p:nvCxnSpPr>
         <p:spPr>
           <a:xfrm>
-            <a:off x="4383542" y="1871591"/>
-            <a:ext cx="0" cy="396000"/>
+            <a:off x="8101693" y="3310943"/>
+            <a:ext cx="0" cy="704000"/>
           </a:xfrm>
           <a:prstGeom prst="straightConnector1">
             <a:avLst/>
@@ -3437,8 +3087,8 @@
         </p:nvSpPr>
         <p:spPr>
           <a:xfrm>
-            <a:off x="147790" y="249382"/>
-            <a:ext cx="8996208" cy="1533236"/>
+            <a:off x="163254" y="427025"/>
+            <a:ext cx="15993259" cy="2725753"/>
           </a:xfrm>
           <a:prstGeom prst="rect">
             <a:avLst/>
@@ -3471,7 +3121,7 @@
           <a:lstStyle/>
           <a:p>
             <a:pPr algn="ctr"/>
-            <a:endParaRPr lang="en-US"/>
+            <a:endParaRPr lang="en-US" sz="3202"/>
           </a:p>
         </p:txBody>
       </p:sp>
@@ -3489,8 +3139,8 @@
         </p:nvSpPr>
         <p:spPr>
           <a:xfrm>
-            <a:off x="2644815" y="2375038"/>
-            <a:ext cx="3506599" cy="4415850"/>
+            <a:off x="5010628" y="4205961"/>
+            <a:ext cx="6233954" cy="7850402"/>
           </a:xfrm>
           <a:prstGeom prst="rect">
             <a:avLst/>
@@ -3523,7 +3173,7 @@
           <a:lstStyle/>
           <a:p>
             <a:pPr algn="ctr"/>
-            <a:endParaRPr lang="en-US"/>
+            <a:endParaRPr lang="en-US" sz="3202"/>
           </a:p>
         </p:txBody>
       </p:sp>
@@ -3543,7 +3193,7 @@
 <file path=ppt/theme/theme1.xml><?xml version="1.0" encoding="utf-8"?>
 <a:theme xmlns:a="http://schemas.openxmlformats.org/drawingml/2006/main" name="Office Theme">
   <a:themeElements>
-    <a:clrScheme name="Office">
+    <a:clrScheme name="Office Theme">
       <a:dk1>
         <a:sysClr val="windowText" lastClr="000000"/>
       </a:dk1>
@@ -3581,7 +3231,7 @@
         <a:srgbClr val="954F72"/>
       </a:folHlink>
     </a:clrScheme>
-    <a:fontScheme name="Office">
+    <a:fontScheme name="Office Theme">
       <a:majorFont>
         <a:latin typeface="Calibri Light" panose="020F0302020204030204"/>
         <a:ea typeface=""/>
@@ -3616,23 +3266,6 @@
         <a:font script="Viet" typeface="Times New Roman"/>
         <a:font script="Uigh" typeface="Microsoft Uighur"/>
         <a:font script="Geor" typeface="Sylfaen"/>
-        <a:font script="Armn" typeface="Arial"/>
-        <a:font script="Bugi" typeface="Leelawadee UI"/>
-        <a:font script="Bopo" typeface="Microsoft JhengHei"/>
-        <a:font script="Java" typeface="Javanese Text"/>
-        <a:font script="Lisu" typeface="Segoe UI"/>
-        <a:font script="Mymr" typeface="Myanmar Text"/>
-        <a:font script="Nkoo" typeface="Ebrima"/>
-        <a:font script="Olck" typeface="Nirmala UI"/>
-        <a:font script="Osma" typeface="Ebrima"/>
-        <a:font script="Phag" typeface="Phagspa"/>
-        <a:font script="Syrn" typeface="Estrangelo Edessa"/>
-        <a:font script="Syrj" typeface="Estrangelo Edessa"/>
-        <a:font script="Syre" typeface="Estrangelo Edessa"/>
-        <a:font script="Sora" typeface="Nirmala UI"/>
-        <a:font script="Tale" typeface="Microsoft Tai Le"/>
-        <a:font script="Talu" typeface="Microsoft New Tai Lue"/>
-        <a:font script="Tfng" typeface="Ebrima"/>
       </a:majorFont>
       <a:minorFont>
         <a:latin typeface="Calibri" panose="020F0502020204030204"/>
@@ -3668,26 +3301,9 @@
         <a:font script="Viet" typeface="Arial"/>
         <a:font script="Uigh" typeface="Microsoft Uighur"/>
         <a:font script="Geor" typeface="Sylfaen"/>
-        <a:font script="Armn" typeface="Arial"/>
-        <a:font script="Bugi" typeface="Leelawadee UI"/>
-        <a:font script="Bopo" typeface="Microsoft JhengHei"/>
-        <a:font script="Java" typeface="Javanese Text"/>
-        <a:font script="Lisu" typeface="Segoe UI"/>
-        <a:font script="Mymr" typeface="Myanmar Text"/>
-        <a:font script="Nkoo" typeface="Ebrima"/>
-        <a:font script="Olck" typeface="Nirmala UI"/>
-        <a:font script="Osma" typeface="Ebrima"/>
-        <a:font script="Phag" typeface="Phagspa"/>
-        <a:font script="Syrn" typeface="Estrangelo Edessa"/>
-        <a:font script="Syrj" typeface="Estrangelo Edessa"/>
-        <a:font script="Syre" typeface="Estrangelo Edessa"/>
-        <a:font script="Sora" typeface="Nirmala UI"/>
-        <a:font script="Tale" typeface="Microsoft Tai Le"/>
-        <a:font script="Talu" typeface="Microsoft New Tai Lue"/>
-        <a:font script="Tfng" typeface="Ebrima"/>
       </a:minorFont>
     </a:fontScheme>
-    <a:fmtScheme name="Office">
+    <a:fmtScheme name="Office Theme">
       <a:fillStyleLst>
         <a:solidFill>
           <a:schemeClr val="phClr"/>
